--- a/Presentation/AIDA64.pptx
+++ b/Presentation/AIDA64.pptx
@@ -5,15 +5,16 @@
     <p:sldMasterId id="2147483648" r:id="rId1"/>
   </p:sldMasterIdLst>
   <p:notesMasterIdLst>
-    <p:notesMasterId r:id="rId3"/>
+    <p:notesMasterId r:id="rId4"/>
   </p:notesMasterIdLst>
   <p:sldIdLst>
     <p:sldId id="256" r:id="rId2"/>
+    <p:sldId id="257" r:id="rId3"/>
   </p:sldIdLst>
   <p:sldSz cx="12192000" cy="6858000"/>
   <p:notesSz cx="6858000" cy="9144000"/>
   <p:custDataLst>
-    <p:tags r:id="rId4"/>
+    <p:tags r:id="rId5"/>
   </p:custDataLst>
   <p:defaultTextStyle>
     <a:defPPr>
@@ -542,6 +543,90 @@
     <p:extLst>
       <p:ext uri="{BB962C8B-B14F-4D97-AF65-F5344CB8AC3E}">
         <p14:creationId xmlns:p14="http://schemas.microsoft.com/office/powerpoint/2010/main" val="3986139803"/>
+      </p:ext>
+    </p:extLst>
+  </p:cSld>
+  <p:clrMapOvr>
+    <a:masterClrMapping/>
+  </p:clrMapOvr>
+</p:notes>
+</file>
+
+<file path=ppt/notesSlides/notesSlide2.xml><?xml version="1.0" encoding="utf-8"?>
+<p:notes xmlns:a="http://schemas.openxmlformats.org/drawingml/2006/main" xmlns:r="http://schemas.openxmlformats.org/officeDocument/2006/relationships" xmlns:p="http://schemas.openxmlformats.org/presentationml/2006/main">
+  <p:cSld>
+    <p:spTree>
+      <p:nvGrpSpPr>
+        <p:cNvPr id="1" name=""/>
+        <p:cNvGrpSpPr/>
+        <p:nvPr/>
+      </p:nvGrpSpPr>
+      <p:grpSpPr>
+        <a:xfrm>
+          <a:off x="0" y="0"/>
+          <a:ext cx="0" cy="0"/>
+          <a:chOff x="0" y="0"/>
+          <a:chExt cx="0" cy="0"/>
+        </a:xfrm>
+      </p:grpSpPr>
+      <p:sp>
+        <p:nvSpPr>
+          <p:cNvPr id="2" name="Образ слайда 1"/>
+          <p:cNvSpPr>
+            <a:spLocks noGrp="1" noRot="1" noChangeAspect="1"/>
+          </p:cNvSpPr>
+          <p:nvPr>
+            <p:ph type="sldImg"/>
+          </p:nvPr>
+        </p:nvSpPr>
+        <p:spPr/>
+      </p:sp>
+      <p:sp>
+        <p:nvSpPr>
+          <p:cNvPr id="3" name="Заметки 2"/>
+          <p:cNvSpPr>
+            <a:spLocks noGrp="1"/>
+          </p:cNvSpPr>
+          <p:nvPr>
+            <p:ph type="body" idx="1"/>
+          </p:nvPr>
+        </p:nvSpPr>
+        <p:spPr/>
+        <p:txBody>
+          <a:bodyPr/>
+          <a:lstStyle/>
+          <a:p>
+            <a:endParaRPr lang="ru-RU" dirty="0"/>
+          </a:p>
+        </p:txBody>
+      </p:sp>
+      <p:sp>
+        <p:nvSpPr>
+          <p:cNvPr id="4" name="Номер слайда 3"/>
+          <p:cNvSpPr>
+            <a:spLocks noGrp="1"/>
+          </p:cNvSpPr>
+          <p:nvPr>
+            <p:ph type="sldNum" sz="quarter" idx="5"/>
+          </p:nvPr>
+        </p:nvSpPr>
+        <p:spPr/>
+        <p:txBody>
+          <a:bodyPr/>
+          <a:lstStyle/>
+          <a:p>
+            <a:fld id="{1CA6C719-8D01-4E34-AAFD-66A047B103F8}" type="slidenum">
+              <a:rPr lang="ru-RU" smtClean="0"/>
+              <a:t>2</a:t>
+            </a:fld>
+            <a:endParaRPr lang="ru-RU"/>
+          </a:p>
+        </p:txBody>
+      </p:sp>
+    </p:spTree>
+    <p:extLst>
+      <p:ext uri="{BB962C8B-B14F-4D97-AF65-F5344CB8AC3E}">
+        <p14:creationId xmlns:p14="http://schemas.microsoft.com/office/powerpoint/2010/main" val="1584988848"/>
       </p:ext>
     </p:extLst>
   </p:cSld>
@@ -3875,8 +3960,8 @@
                 <a:solidFill>
                   <a:schemeClr val="bg1"/>
                 </a:solidFill>
-                <a:latin typeface="Adobe Gothic Std B" panose="020B0800000000000000" pitchFamily="34" charset="-128"/>
-                <a:ea typeface="Adobe Gothic Std B" panose="020B0800000000000000" pitchFamily="34" charset="-128"/>
+                <a:latin typeface="Artifakt Element" panose="020B0503050000020004" pitchFamily="34" charset="-52"/>
+                <a:ea typeface="Artifakt Element" panose="020B0503050000020004" pitchFamily="34" charset="-52"/>
               </a:rPr>
               <a:t>AIDA64</a:t>
             </a:r>
@@ -3884,8 +3969,8 @@
               <a:solidFill>
                 <a:schemeClr val="bg1"/>
               </a:solidFill>
-              <a:latin typeface="Adobe Gothic Std B" panose="020B0800000000000000" pitchFamily="34" charset="-128"/>
-              <a:ea typeface="Adobe Gothic Std B" panose="020B0800000000000000" pitchFamily="34" charset="-128"/>
+              <a:latin typeface="Artifakt Element" panose="020B0503050000020004" pitchFamily="34" charset="-52"/>
+              <a:ea typeface="Artifakt Element" panose="020B0503050000020004" pitchFamily="34" charset="-52"/>
             </a:endParaRPr>
           </a:p>
         </p:txBody>
@@ -3914,7 +3999,7 @@
         </p:spPr>
         <p:txBody>
           <a:bodyPr>
-            <a:normAutofit fontScale="85000" lnSpcReduction="10000"/>
+            <a:normAutofit fontScale="77500" lnSpcReduction="20000"/>
           </a:bodyPr>
           <a:lstStyle/>
           <a:p>
@@ -3923,6 +4008,8 @@
                 <a:solidFill>
                   <a:schemeClr val="bg1"/>
                 </a:solidFill>
+                <a:latin typeface="Artifakt Element" panose="020B0503050000020004" pitchFamily="34" charset="-52"/>
+                <a:ea typeface="Artifakt Element" panose="020B0503050000020004" pitchFamily="34" charset="-52"/>
               </a:rPr>
               <a:t>AIDA64 — это мощный инструмент для диагностики и мониторинга аппаратных компонентов компьютера. Программа позволяет получить детальную информацию о состоянии системы и выявить возможные проблемы.</a:t>
             </a:r>
@@ -4188,30 +4275,589 @@
 </p:sld>
 </file>
 
+<file path=ppt/slides/slide2.xml><?xml version="1.0" encoding="utf-8"?>
+<p:sld xmlns:a="http://schemas.openxmlformats.org/drawingml/2006/main" xmlns:r="http://schemas.openxmlformats.org/officeDocument/2006/relationships" xmlns:p="http://schemas.openxmlformats.org/presentationml/2006/main">
+  <p:cSld>
+    <p:bg>
+      <p:bgPr>
+        <a:solidFill>
+          <a:schemeClr val="tx1">
+            <a:lumMod val="85000"/>
+            <a:lumOff val="15000"/>
+          </a:schemeClr>
+        </a:solidFill>
+        <a:effectLst/>
+      </p:bgPr>
+    </p:bg>
+    <p:spTree>
+      <p:nvGrpSpPr>
+        <p:cNvPr id="1" name=""/>
+        <p:cNvGrpSpPr/>
+        <p:nvPr/>
+      </p:nvGrpSpPr>
+      <p:grpSpPr>
+        <a:xfrm>
+          <a:off x="0" y="0"/>
+          <a:ext cx="0" cy="0"/>
+          <a:chOff x="0" y="0"/>
+          <a:chExt cx="0" cy="0"/>
+        </a:xfrm>
+      </p:grpSpPr>
+      <p:sp>
+        <p:nvSpPr>
+          <p:cNvPr id="13" name="Прямоугольник 12">
+            <a:extLst>
+              <a:ext uri="{FF2B5EF4-FFF2-40B4-BE49-F238E27FC236}">
+                <a16:creationId xmlns:a16="http://schemas.microsoft.com/office/drawing/2014/main" id="{45C319CF-CDEC-482F-A775-0B9D9AF2FB07}"/>
+              </a:ext>
+            </a:extLst>
+          </p:cNvPr>
+          <p:cNvSpPr/>
+          <p:nvPr/>
+        </p:nvSpPr>
+        <p:spPr>
+          <a:xfrm>
+            <a:off x="147587" y="86626"/>
+            <a:ext cx="11896826" cy="3185963"/>
+          </a:xfrm>
+          <a:prstGeom prst="rect">
+            <a:avLst/>
+          </a:prstGeom>
+          <a:blipFill dpi="0" rotWithShape="1">
+            <a:blip r:embed="rId4"/>
+            <a:srcRect/>
+            <a:stretch>
+              <a:fillRect/>
+            </a:stretch>
+          </a:blipFill>
+          <a:effectLst>
+            <a:glow rad="63500">
+              <a:schemeClr val="accent4">
+                <a:satMod val="175000"/>
+                <a:alpha val="40000"/>
+              </a:schemeClr>
+            </a:glow>
+          </a:effectLst>
+          <a:scene3d>
+            <a:camera prst="orthographicFront"/>
+            <a:lightRig rig="threePt" dir="t"/>
+          </a:scene3d>
+          <a:sp3d>
+            <a:bevelT w="165100" prst="coolSlant"/>
+          </a:sp3d>
+        </p:spPr>
+        <p:style>
+          <a:lnRef idx="2">
+            <a:schemeClr val="accent1">
+              <a:shade val="50000"/>
+            </a:schemeClr>
+          </a:lnRef>
+          <a:fillRef idx="1">
+            <a:schemeClr val="accent1"/>
+          </a:fillRef>
+          <a:effectRef idx="0">
+            <a:schemeClr val="accent1"/>
+          </a:effectRef>
+          <a:fontRef idx="minor">
+            <a:schemeClr val="lt1"/>
+          </a:fontRef>
+        </p:style>
+        <p:txBody>
+          <a:bodyPr rtlCol="0" anchor="ctr"/>
+          <a:lstStyle/>
+          <a:p>
+            <a:pPr algn="ctr"/>
+            <a:endParaRPr lang="ru-RU">
+              <a:blipFill dpi="0" rotWithShape="1">
+                <a:blip r:embed="rId4">
+                  <a:extLst>
+                    <a:ext uri="{28A0092B-C50C-407E-A947-70E740481C1C}">
+                      <a14:useLocalDpi xmlns:a14="http://schemas.microsoft.com/office/drawing/2010/main" val="0"/>
+                    </a:ext>
+                  </a:extLst>
+                </a:blip>
+                <a:srcRect/>
+                <a:stretch>
+                  <a:fillRect/>
+                </a:stretch>
+              </a:blipFill>
+            </a:endParaRPr>
+          </a:p>
+        </p:txBody>
+      </p:sp>
+      <p:sp>
+        <p:nvSpPr>
+          <p:cNvPr id="7" name="TextBox 6">
+            <a:extLst>
+              <a:ext uri="{FF2B5EF4-FFF2-40B4-BE49-F238E27FC236}">
+                <a16:creationId xmlns:a16="http://schemas.microsoft.com/office/drawing/2014/main" id="{409ACECB-984C-4417-A89F-A786522F7952}"/>
+              </a:ext>
+            </a:extLst>
+          </p:cNvPr>
+          <p:cNvSpPr txBox="1"/>
+          <p:nvPr/>
+        </p:nvSpPr>
+        <p:spPr>
+          <a:xfrm>
+            <a:off x="316029" y="3169118"/>
+            <a:ext cx="11559941" cy="707886"/>
+          </a:xfrm>
+          <a:prstGeom prst="rect">
+            <a:avLst/>
+          </a:prstGeom>
+          <a:noFill/>
+        </p:spPr>
+        <p:txBody>
+          <a:bodyPr wrap="square" rtlCol="0">
+            <a:spAutoFit/>
+          </a:bodyPr>
+          <a:lstStyle/>
+          <a:p>
+            <a:r>
+              <a:rPr lang="ru-RU" sz="4000" dirty="0">
+                <a:solidFill>
+                  <a:schemeClr val="bg1"/>
+                </a:solidFill>
+                <a:latin typeface="Artifakt Element" panose="020B0503050000020004" pitchFamily="34" charset="-52"/>
+                <a:ea typeface="Artifakt Element" panose="020B0503050000020004" pitchFamily="34" charset="-52"/>
+              </a:rPr>
+              <a:t>Архитектура программного модуля </a:t>
+            </a:r>
+            <a:r>
+              <a:rPr lang="en-US" sz="4000" dirty="0">
+                <a:solidFill>
+                  <a:schemeClr val="bg1"/>
+                </a:solidFill>
+                <a:latin typeface="Artifakt Element" panose="020B0503050000020004" pitchFamily="34" charset="-52"/>
+                <a:ea typeface="Artifakt Element" panose="020B0503050000020004" pitchFamily="34" charset="-52"/>
+              </a:rPr>
+              <a:t>AIDA64</a:t>
+            </a:r>
+            <a:endParaRPr lang="ru-RU" sz="4000" dirty="0">
+              <a:solidFill>
+                <a:schemeClr val="bg1"/>
+              </a:solidFill>
+              <a:latin typeface="Artifakt Element" panose="020B0503050000020004" pitchFamily="34" charset="-52"/>
+              <a:ea typeface="Artifakt Element" panose="020B0503050000020004" pitchFamily="34" charset="-52"/>
+            </a:endParaRPr>
+          </a:p>
+        </p:txBody>
+      </p:sp>
+      <p:sp>
+        <p:nvSpPr>
+          <p:cNvPr id="11" name="TextBox 10">
+            <a:extLst>
+              <a:ext uri="{FF2B5EF4-FFF2-40B4-BE49-F238E27FC236}">
+                <a16:creationId xmlns:a16="http://schemas.microsoft.com/office/drawing/2014/main" id="{19D645C9-DD80-404C-AC48-F2A48A99B919}"/>
+              </a:ext>
+            </a:extLst>
+          </p:cNvPr>
+          <p:cNvSpPr txBox="1"/>
+          <p:nvPr/>
+        </p:nvSpPr>
+        <p:spPr>
+          <a:xfrm flipH="1">
+            <a:off x="316028" y="3877004"/>
+            <a:ext cx="5282665" cy="2031325"/>
+          </a:xfrm>
+          <a:prstGeom prst="rect">
+            <a:avLst/>
+          </a:prstGeom>
+          <a:noFill/>
+        </p:spPr>
+        <p:txBody>
+          <a:bodyPr wrap="square" rtlCol="0">
+            <a:spAutoFit/>
+          </a:bodyPr>
+          <a:lstStyle/>
+          <a:p>
+            <a:r>
+              <a:rPr lang="ru-RU" dirty="0">
+                <a:solidFill>
+                  <a:schemeClr val="bg1"/>
+                </a:solidFill>
+              </a:rPr>
+              <a:t>Архитектура модулей AIDA64 включает в себя три основных компонента: ядро, интерфейс и плагины. Ядро отвечает за сбор и обработку системной информации, интерфейс обеспечивает взаимодействие с пользователем, а плагины добавляют функциональности, позволяя расширять возможности программы под конкретные нужды</a:t>
+            </a:r>
+            <a:r>
+              <a:rPr lang="ru-RU" dirty="0"/>
+              <a:t>.</a:t>
+            </a:r>
+          </a:p>
+        </p:txBody>
+      </p:sp>
+      <p:sp>
+        <p:nvSpPr>
+          <p:cNvPr id="12" name="TextBox 11">
+            <a:extLst>
+              <a:ext uri="{FF2B5EF4-FFF2-40B4-BE49-F238E27FC236}">
+                <a16:creationId xmlns:a16="http://schemas.microsoft.com/office/drawing/2014/main" id="{35E14988-F9D1-4EF7-9D98-FA82CEB4D110}"/>
+              </a:ext>
+            </a:extLst>
+          </p:cNvPr>
+          <p:cNvSpPr txBox="1"/>
+          <p:nvPr/>
+        </p:nvSpPr>
+        <p:spPr>
+          <a:xfrm>
+            <a:off x="6593305" y="3877004"/>
+            <a:ext cx="5282665" cy="1754326"/>
+          </a:xfrm>
+          <a:prstGeom prst="rect">
+            <a:avLst/>
+          </a:prstGeom>
+          <a:noFill/>
+        </p:spPr>
+        <p:txBody>
+          <a:bodyPr wrap="square" rtlCol="0">
+            <a:spAutoFit/>
+          </a:bodyPr>
+          <a:lstStyle/>
+          <a:p>
+            <a:r>
+              <a:rPr lang="ru-RU" dirty="0">
+                <a:solidFill>
+                  <a:schemeClr val="bg1"/>
+                </a:solidFill>
+                <a:effectLst/>
+              </a:rPr>
+              <a:t>AIDA64 поддерживает более 230 тысяч различных устройств и компонентов, что делает её одной из самых универсальных утилит для диагностики. Программа использует прямые обращения к системным API для получения актуальных данных, что увеличивает точность и скорость анализа.</a:t>
+            </a:r>
+            <a:endParaRPr lang="ru-RU" dirty="0">
+              <a:solidFill>
+                <a:schemeClr val="bg1"/>
+              </a:solidFill>
+            </a:endParaRPr>
+          </a:p>
+        </p:txBody>
+      </p:sp>
+      <p:pic>
+        <p:nvPicPr>
+          <p:cNvPr id="14" name="Рисунок 13">
+            <a:extLst>
+              <a:ext uri="{FF2B5EF4-FFF2-40B4-BE49-F238E27FC236}">
+                <a16:creationId xmlns:a16="http://schemas.microsoft.com/office/drawing/2014/main" id="{5B9E4D7B-528F-40B8-887F-C2CEDE79918A}"/>
+              </a:ext>
+            </a:extLst>
+          </p:cNvPr>
+          <p:cNvPicPr>
+            <a:picLocks noChangeAspect="1"/>
+          </p:cNvPicPr>
+          <p:nvPr/>
+        </p:nvPicPr>
+        <p:blipFill>
+          <a:blip r:embed="rId5">
+            <a:extLst>
+              <a:ext uri="{28A0092B-C50C-407E-A947-70E740481C1C}">
+                <a14:useLocalDpi xmlns:a14="http://schemas.microsoft.com/office/drawing/2010/main" val="0"/>
+              </a:ext>
+              <a:ext uri="{96DAC541-7B7A-43D3-8B79-37D633B846F1}">
+                <asvg:svgBlip xmlns:asvg="http://schemas.microsoft.com/office/drawing/2016/SVG/main" r:embed="rId6"/>
+              </a:ext>
+            </a:extLst>
+          </a:blip>
+          <a:stretch>
+            <a:fillRect/>
+          </a:stretch>
+        </p:blipFill>
+        <p:spPr>
+          <a:xfrm>
+            <a:off x="10895038" y="5503592"/>
+            <a:ext cx="1296962" cy="1354408"/>
+          </a:xfrm>
+          <a:prstGeom prst="rect">
+            <a:avLst/>
+          </a:prstGeom>
+        </p:spPr>
+      </p:pic>
+    </p:spTree>
+    <p:custDataLst>
+      <p:tags r:id="rId1"/>
+    </p:custDataLst>
+    <p:extLst>
+      <p:ext uri="{BB962C8B-B14F-4D97-AF65-F5344CB8AC3E}">
+        <p14:creationId xmlns:p14="http://schemas.microsoft.com/office/powerpoint/2010/main" val="263671134"/>
+      </p:ext>
+    </p:extLst>
+  </p:cSld>
+  <p:clrMapOvr>
+    <a:masterClrMapping/>
+  </p:clrMapOvr>
+  <p:transition spd="slow">
+    <p:cover/>
+  </p:transition>
+  <p:timing>
+    <p:tnLst>
+      <p:par>
+        <p:cTn id="1" dur="indefinite" restart="never" nodeType="tmRoot">
+          <p:childTnLst>
+            <p:seq concurrent="1" nextAc="seek">
+              <p:cTn id="2" dur="indefinite" nodeType="mainSeq">
+                <p:childTnLst>
+                  <p:par>
+                    <p:cTn id="3" fill="hold">
+                      <p:stCondLst>
+                        <p:cond delay="indefinite"/>
+                        <p:cond evt="onBegin" delay="0">
+                          <p:tn val="2"/>
+                        </p:cond>
+                      </p:stCondLst>
+                      <p:childTnLst>
+                        <p:par>
+                          <p:cTn id="4" fill="hold">
+                            <p:stCondLst>
+                              <p:cond delay="0"/>
+                            </p:stCondLst>
+                            <p:childTnLst>
+                              <p:par>
+                                <p:cTn id="5" presetID="10" presetClass="entr" presetSubtype="0" fill="hold" grpId="0" nodeType="afterEffect">
+                                  <p:stCondLst>
+                                    <p:cond delay="0"/>
+                                  </p:stCondLst>
+                                  <p:childTnLst>
+                                    <p:set>
+                                      <p:cBhvr>
+                                        <p:cTn id="6" dur="1" fill="hold">
+                                          <p:stCondLst>
+                                            <p:cond delay="0"/>
+                                          </p:stCondLst>
+                                        </p:cTn>
+                                        <p:tgtEl>
+                                          <p:spTgt spid="13"/>
+                                        </p:tgtEl>
+                                        <p:attrNameLst>
+                                          <p:attrName>style.visibility</p:attrName>
+                                        </p:attrNameLst>
+                                      </p:cBhvr>
+                                      <p:to>
+                                        <p:strVal val="visible"/>
+                                      </p:to>
+                                    </p:set>
+                                    <p:animEffect transition="in" filter="fade">
+                                      <p:cBhvr>
+                                        <p:cTn id="7" dur="500"/>
+                                        <p:tgtEl>
+                                          <p:spTgt spid="13"/>
+                                        </p:tgtEl>
+                                      </p:cBhvr>
+                                    </p:animEffect>
+                                  </p:childTnLst>
+                                </p:cTn>
+                              </p:par>
+                              <p:par>
+                                <p:cTn id="8" presetID="10" presetClass="entr" presetSubtype="0" fill="hold" nodeType="withEffect">
+                                  <p:stCondLst>
+                                    <p:cond delay="0"/>
+                                  </p:stCondLst>
+                                  <p:childTnLst>
+                                    <p:set>
+                                      <p:cBhvr>
+                                        <p:cTn id="9" dur="1" fill="hold">
+                                          <p:stCondLst>
+                                            <p:cond delay="0"/>
+                                          </p:stCondLst>
+                                        </p:cTn>
+                                        <p:tgtEl>
+                                          <p:spTgt spid="14"/>
+                                        </p:tgtEl>
+                                        <p:attrNameLst>
+                                          <p:attrName>style.visibility</p:attrName>
+                                        </p:attrNameLst>
+                                      </p:cBhvr>
+                                      <p:to>
+                                        <p:strVal val="visible"/>
+                                      </p:to>
+                                    </p:set>
+                                    <p:animEffect transition="in" filter="fade">
+                                      <p:cBhvr>
+                                        <p:cTn id="10" dur="1000"/>
+                                        <p:tgtEl>
+                                          <p:spTgt spid="14"/>
+                                        </p:tgtEl>
+                                      </p:cBhvr>
+                                    </p:animEffect>
+                                  </p:childTnLst>
+                                </p:cTn>
+                              </p:par>
+                              <p:par>
+                                <p:cTn id="11" presetID="10" presetClass="entr" presetSubtype="0" fill="hold" grpId="0" nodeType="withEffect">
+                                  <p:stCondLst>
+                                    <p:cond delay="0"/>
+                                  </p:stCondLst>
+                                  <p:childTnLst>
+                                    <p:set>
+                                      <p:cBhvr>
+                                        <p:cTn id="12" dur="1" fill="hold">
+                                          <p:stCondLst>
+                                            <p:cond delay="0"/>
+                                          </p:stCondLst>
+                                        </p:cTn>
+                                        <p:tgtEl>
+                                          <p:spTgt spid="12"/>
+                                        </p:tgtEl>
+                                        <p:attrNameLst>
+                                          <p:attrName>style.visibility</p:attrName>
+                                        </p:attrNameLst>
+                                      </p:cBhvr>
+                                      <p:to>
+                                        <p:strVal val="visible"/>
+                                      </p:to>
+                                    </p:set>
+                                    <p:animEffect transition="in" filter="fade">
+                                      <p:cBhvr>
+                                        <p:cTn id="13" dur="500"/>
+                                        <p:tgtEl>
+                                          <p:spTgt spid="12"/>
+                                        </p:tgtEl>
+                                      </p:cBhvr>
+                                    </p:animEffect>
+                                  </p:childTnLst>
+                                </p:cTn>
+                              </p:par>
+                              <p:par>
+                                <p:cTn id="14" presetID="10" presetClass="entr" presetSubtype="0" fill="hold" grpId="0" nodeType="withEffect">
+                                  <p:stCondLst>
+                                    <p:cond delay="0"/>
+                                  </p:stCondLst>
+                                  <p:childTnLst>
+                                    <p:set>
+                                      <p:cBhvr>
+                                        <p:cTn id="15" dur="1" fill="hold">
+                                          <p:stCondLst>
+                                            <p:cond delay="0"/>
+                                          </p:stCondLst>
+                                        </p:cTn>
+                                        <p:tgtEl>
+                                          <p:spTgt spid="7"/>
+                                        </p:tgtEl>
+                                        <p:attrNameLst>
+                                          <p:attrName>style.visibility</p:attrName>
+                                        </p:attrNameLst>
+                                      </p:cBhvr>
+                                      <p:to>
+                                        <p:strVal val="visible"/>
+                                      </p:to>
+                                    </p:set>
+                                    <p:animEffect transition="in" filter="fade">
+                                      <p:cBhvr>
+                                        <p:cTn id="16" dur="500"/>
+                                        <p:tgtEl>
+                                          <p:spTgt spid="7"/>
+                                        </p:tgtEl>
+                                      </p:cBhvr>
+                                    </p:animEffect>
+                                  </p:childTnLst>
+                                </p:cTn>
+                              </p:par>
+                              <p:par>
+                                <p:cTn id="17" presetID="10" presetClass="entr" presetSubtype="0" fill="hold" nodeType="withEffect">
+                                  <p:stCondLst>
+                                    <p:cond delay="0"/>
+                                  </p:stCondLst>
+                                  <p:childTnLst>
+                                    <p:set>
+                                      <p:cBhvr>
+                                        <p:cTn id="18" dur="1" fill="hold">
+                                          <p:stCondLst>
+                                            <p:cond delay="0"/>
+                                          </p:stCondLst>
+                                        </p:cTn>
+                                        <p:tgtEl>
+                                          <p:spTgt spid="11">
+                                            <p:txEl>
+                                              <p:pRg st="0" end="0"/>
+                                            </p:txEl>
+                                          </p:spTgt>
+                                        </p:tgtEl>
+                                        <p:attrNameLst>
+                                          <p:attrName>style.visibility</p:attrName>
+                                        </p:attrNameLst>
+                                      </p:cBhvr>
+                                      <p:to>
+                                        <p:strVal val="visible"/>
+                                      </p:to>
+                                    </p:set>
+                                    <p:animEffect transition="in" filter="fade">
+                                      <p:cBhvr>
+                                        <p:cTn id="19" dur="500"/>
+                                        <p:tgtEl>
+                                          <p:spTgt spid="11">
+                                            <p:txEl>
+                                              <p:pRg st="0" end="0"/>
+                                            </p:txEl>
+                                          </p:spTgt>
+                                        </p:tgtEl>
+                                      </p:cBhvr>
+                                    </p:animEffect>
+                                  </p:childTnLst>
+                                </p:cTn>
+                              </p:par>
+                            </p:childTnLst>
+                          </p:cTn>
+                        </p:par>
+                      </p:childTnLst>
+                    </p:cTn>
+                  </p:par>
+                </p:childTnLst>
+              </p:cTn>
+              <p:prevCondLst>
+                <p:cond evt="onPrev" delay="0">
+                  <p:tgtEl>
+                    <p:sldTgt/>
+                  </p:tgtEl>
+                </p:cond>
+              </p:prevCondLst>
+              <p:nextCondLst>
+                <p:cond evt="onNext" delay="0">
+                  <p:tgtEl>
+                    <p:sldTgt/>
+                  </p:tgtEl>
+                </p:cond>
+              </p:nextCondLst>
+            </p:seq>
+          </p:childTnLst>
+        </p:cTn>
+      </p:par>
+    </p:tnLst>
+    <p:bldLst>
+      <p:bldP spid="13" grpId="0" animBg="1"/>
+      <p:bldP spid="7" grpId="0"/>
+      <p:bldP spid="12" grpId="0"/>
+    </p:bldLst>
+  </p:timing>
+</p:sld>
+</file>
+
 <file path=ppt/tags/tag1.xml><?xml version="1.0" encoding="utf-8"?>
 <p:tagLst xmlns:a="http://schemas.openxmlformats.org/drawingml/2006/main" xmlns:r="http://schemas.openxmlformats.org/officeDocument/2006/relationships" xmlns:p="http://schemas.openxmlformats.org/presentationml/2006/main">
-  <p:tag name="ISPRING-CONVERTER_ISPRING_PLAYERS_CUSTOMIZATION_2" val="{&quot;universal&quot;:{&quot;skinSettings&quot;:{&quot;borderRadius&quot;:10,&quot;colors&quot;:{&quot;asideBackground&quot;:{&quot;color&quot;:&quot;#EFF1F2&quot;,&quot;opacity&quot;:1,&quot;type&quot;:&quot;SOLID&quot;},&quot;asideElementBackgroundActive&quot;:{&quot;color&quot;:&quot;#D5D9DB&quot;,&quot;opacity&quot;:1,&quot;type&quot;:&quot;SOLID&quot;},&quot;asideElementBackgroundHover&quot;:{&quot;color&quot;:&quot;#DDE2E5&quot;,&quot;opacity&quot;:1,&quot;type&quot;:&quot;SOLID&quot;},&quot;asideElementText&quot;:{&quot;color&quot;:&quot;#34383D&quot;,&quot;opacity&quot;:1,&quot;type&quot;:&quot;SOLID&quot;},&quot;asideElementTextActive&quot;:{&quot;color&quot;:&quot;#42484E&quot;,&quot;opacity&quot;:1,&quot;type&quot;:&quot;SOLID&quot;},&quot;asideElementTextHover&quot;:{&quot;color&quot;:&quot;#42484E&quot;,&quot;opacity&quot;:1,&quot;type&quot;:&quot;SOLID&quot;},&quot;asideLogoBackground&quot;:{&quot;color&quot;:&quot;#EFF1F2&quot;,&quot;opacity&quot;:1,&quot;type&quot;:&quot;SOLID&quot;},&quot;pageBackground&quot;:{&quot;color&quot;:&quot;#DCDEE0&quot;,&quot;opacity&quot;:1,&quot;type&quot;:&quot;SOLID&quot;},&quot;playerBackground&quot;:{&quot;color&quot;:&quot;#FFFFFF&quot;,&quot;opacity&quot;:1,&quot;type&quot;:&quot;SOLID&quot;},&quot;playerText&quot;:{&quot;color&quot;:&quot;#616870&quot;,&quot;opacity&quot;:1,&quot;type&quot;:&quot;SOLID&quot;},&quot;primaryButtonBackground&quot;:{&quot;color&quot;:&quot;#5F8BD9&quot;,&quot;opacity&quot;:1,&quot;type&quot;:&quot;SOLID&quot;},&quot;primaryButtonBackgroundHover&quot;:{&quot;color&quot;:&quot;#5077BB&quot;,&quot;opacity&quot;:1,&quot;type&quot;:&quot;SOLID&quot;},&quot;primaryButtonBorder&quot;:{&quot;color&quot;:&quot;#5F8BD9&quot;,&quot;opacity&quot;:1,&quot;type&quot;:&quot;SOLID&quot;},&quot;primaryButtonBorderHover&quot;:{&quot;color&quot;:&quot;#5077BB&quot;,&quot;opacity&quot;:1,&quot;type&quot;:&quot;SOLID&quot;},&quot;primaryButtonText&quot;:{&quot;color&quot;:&quot;#FFFFFF&quot;,&quot;opacity&quot;:1,&quot;type&quot;:&quot;SOLID&quot;},&quot;primaryButtonTextHover&quot;:{&quot;color&quot;:&quot;#FFFFFF&quot;,&quot;opacity&quot;:1,&quot;type&quot;:&quot;SOLID&quot;},&quot;secondaryButtonBackground&quot;:{&quot;color&quot;:&quot;#F1F2F4&quot;,&quot;opacity&quot;:1,&quot;type&quot;:&quot;SOLID&quot;},&quot;secondaryButtonBackgroundHover&quot;:{&quot;color&quot;:&quot;#E5E5E5&quot;,&quot;opacity&quot;:1,&quot;type&quot;:&quot;SOLID&quot;},&quot;secondaryButtonBorder&quot;:{&quot;color&quot;:&quot;#F1F2F4&quot;,&quot;opacity&quot;:1,&quot;type&quot;:&quot;SOLID&quot;},&quot;secondaryButtonBorderHover&quot;:{&quot;color&quot;:&quot;#E5E5E5&quot;,&quot;opacity&quot;:1,&quot;type&quot;:&quot;SOLID&quot;},&quot;secondaryButtonText&quot;:{&quot;color&quot;:&quot;#616870&quot;,&quot;opacity&quot;:1,&quot;type&quot;:&quot;SOLID&quot;},&quot;secondaryButtonTextHover&quot;:{&quot;color&quot;:&quot;#616870&quot;,&quot;opacity&quot;:1,&quot;type&quot;:&quot;SOLID&quot;}},&quot;controlPanel&quot;:{&quot;navigationMode&quot;:&quot;bySlides&quot;,&quot;progressBar&quot;:{&quot;enabled&quot;:true,&quot;mode&quot;:&quot;presentationTimeline&quot;,&quot;showLabels&quot;:true,&quot;visible&quot;:true},&quot;showCCButton&quot;:true,&quot;showNextButton&quot;:true,&quot;showOutline&quot;:false,&quot;showPlayPause&quot;:true,&quot;showPlaybackRateButton&quot;:true,&quot;showPrevButton&quot;:true,&quot;showRewind&quot;:true,&quot;showSlideNumbers&quot;:true,&quot;showSlideOnlyButton&quot;:true,&quot;showSubtitlesButton&quot;:false,&quot;showTimer&quot;:false,&quot;showVolumeControl&quot;:true,&quot;visible&quot;:true},&quot;fontFamily&quot;:&quot;Arial&quot;,&quot;miniskinCustomizationEnabled&quot;:true,&quot;outlinePanel&quot;:{&quot;highlightViewedEntries&quot;:false,&quot;multilevel&quot;:true,&quot;numberEntries&quot;:true,&quot;search&quot;:true,&quot;thumbnails&quot;:true},&quot;rotatePromptEnabled&quot;:false,&quot;sidePanel&quot;:{&quot;showAtLeft&quot;:false,&quot;showLogo&quot;:false,&quot;showNotes&quot;:false,&quot;showOutline&quot;:false,&quot;showPresenterInfo&quot;:false,&quot;showPresenterVideo&quot;:false,&quot;visible&quot;:false},&quot;titlePanel&quot;:{&quot;buttons&quot;:[&quot;attachments&quot;,&quot;markerTools&quot;,&quot;presenterInfo&quot;,&quot;outline&quot;],&quot;buttonsAtLeft&quot;:false,&quot;courseTitleVisible&quot;:true,&quot;showLogo&quot;:false,&quot;visible&quot;:true},&quot;version&quot;:&quot;1.3&quot;},&quot;skinMessages&quot;:{&quot;PB_ACCESSIBLE_ARIA_LABEL_BACK_TO_BEGIN&quot;:&quot;Go to the beginning of the slide&quot;,&quot;PB_ACCESSIBLE_ARIA_LABEL_BOTTOM_PANEL&quot;:&quot;Bottom Bar&quot;,&quot;PB_ACCESSIBLE_ARIA_LABEL_NAVIGATION_BUTTONS&quot;:&quot;Navigation buttons&quot;,&quot;PB_ACCESSIBLE_ARIA_LABEL_SETTINGS&quot;:&quot;Accessibility Settings&quot;,&quot;PB_ACCESSIBLE_ARIA_LABEL_SLIDE&quot;:&quot;Slide&quot;,&quot;PB_ACCESSIBLE_ARIA_LABEL_TOP_PANEL&quot;:&quot;Top Bar&quot;,&quot;PB_ACCESSIBLE_AUDIO_NARRATION_LABEL&quot;:&quot;Audio narration&quot;,&quot;PB_ACCESSIBLE_AUDIO_SUBTITLES_LABEL&quot;:&quot;Closed Captions&quot;,&quot;PB_ACCESSIBLE_NAVIGATION_NEXT_BUTTON&quot;:&quot;Next&quot;,&quot;PB_ACCESSIBLE_NAVIGATION_PREV_BUTTON&quot;:&quot;Previous&quot;,&quot;PB_ACCESSIBLE_SKIN_ENABLE_ACCESSIBILITY_MODE&quot;:&quot;Turn on accessibility mode&quot;,&quot;PB_ACCESSIBLE_SKIN_ENABLE_NORMAL_MODE&quot;:&quot;Turn off accessibility mode&quot;,&quot;PB_ACCESSIBLE_SKIN_PRESENTER_PHOTO&quot;:&quot;Presenter photo&quot;,&quot;PB_ACCESSIBLE_SLIDE_N_OF_COUNT&quot;:&quot;Slide %SLIDE_NUMBER% of %TOTAL_SLIDES%&quot;,&quot;PB_ACCESSIBLE_VIDEO_NARRATION_LABEL&quot;:&quot;Video narration&quot;,&quot;PB_ACCESSIBLE_WATERMARK_SKIN_CREATED_WITH&quot;:&quot;Created with iSpring evaluation version&quot;,&quot;PB_ATTACHMENT_DOCUMENT_SUBTITLE&quot;:&quot;Document&quot;,&quot;PB_ATTACHMENT_FILE_SUBTITLE&quot;:&quot;File&quot;,&quot;PB_ATTACHMENT_IMAGE_SUBTITLE&quot;:&quot;Picture&quot;,&quot;PB_ATTACHMENT_LINK_SUBTITLE&quot;:&quot;Link&quot;,&quot;PB_ATTACHMENT_VIDEO_SUBTITLE&quot;:&quot;Video&quot;,&quot;PB_BACK_TO_APP_BUTTON_LABEL&quot;:&quot;Go back&quot;,&quot;PB_CONTROL_PANEL_CLOSED_CAPTIONS&quot;:&quot;Notes&quot;,&quot;PB_CONTROL_PANEL_EXIT_FULL_SCREEN&quot;:&quot;Exit full screen&quot;,&quot;PB_CONTROL_PANEL_FULL_SCREEN&quot;:&quot;Full screen&quot;,&quot;PB_CONTROL_PANEL_NEXT&quot;:&quot;Next&quot;,&quot;PB_CONTROL_PANEL_OUTLINE&quot;:&quot;Outline&quot;,&quot;PB_CONTROL_PANEL_PREV&quot;:&quot;&quot;,&quot;PB_CONTROL_PANEL_REPLAY&quot;:&quot;Replay&quot;,&quot;PB_CONTROL_PANEL_SLIDE_COUNTER&quot;:&quot;%SLIDE_NUMBER% of %TOTAL_SLIDES%&quot;,&quot;PB_CONTROL_PANEL_SUBTITLES&quot;:&quot;Closed Captions&quot;,&quot;PB_CONTROL_PANEL_VOLUME_CONTROL&quot;:&quot;Volume&quot;,&quot;PB_CURRENT_SLIDE_IS_NOT_COMPLETED&quot;:&quot;Complete the slide to go to the next one.&quot;,&quot;PB_DOMAIN_RESTRICTION&quot;:&quot;Sorry, the content author has prohibited sharing the presentation on this domain.&quot;,&quot;PB_DRAWING_TOOLS_END_DRAWING&quot;:&quot;Finish drawing&quot;,&quot;PB_DRAWING_TOOLS_ERASER&quot;:&quot;Eraser&quot;,&quot;PB_DRAWING_TOOLS_ERASE_ALL&quot;:&quot;Erase all&quot;,&quot;PB_DRAWING_TOOLS_HIGHLIGHTER&quot;:&quot;Highlighter&quot;,&quot;PB_DRAWING_TOOLS_PEN&quot;:&quot;Pen&quot;,&quot;PB_ENTER_PASSWORD&quot;:&quot;Enter the password to view this presentation.&quot;,&quot;PB_INCORRECT_PASSWORD&quot;:&quot;Incorrect password.&quot;,&quot;PB_INTERACTION_SLIDE_WINDOW_TEXT&quot;:&quot;To advance to the next slide, complete this interaction.&quot;,&quot;PB_MESSAGE_BOX_NO&quot;:&quot;No&quot;,&quot;PB_MESSAGE_BOX_OK&quot;:&quot;OK&quot;,&quot;PB_MESSAGE_BOX_YES&quot;:&quot;Yes&quot;,&quot;PB_NAVIGATION_IS_RESTRICTED&quot;:&quot;You can only view slides in order.&quot;,&quot;PB_NAVIGATION_IS_SEQUENTIAL&quot;:&quot;You can only view slides in order.&quot;,&quot;PB_PLAYBACK_RATE_MENU_CAPTION&quot;:&quot;Speed&quot;,&quot;PB_POPUP_ROTATE_SCREEN_PROMPT_LANDSCAPE&quot;:&quot;Rotate your device to landscape mode&quot;,&quot;PB_POPUP_ROTATE_SCREEN_PROMPT_PORTRAIT&quot;:&quot;Rotate your device to the portrait mode&quot;,&quot;PB_PRECEDING_QUIZ_FAILED_WINDOW_TEXT&quot;:&quot;You haven't passed the quiz on slide %SLIDE_INDEX% and can't advance to the next slide.&quot;,&quot;PB_PRECEDING_QUIZ_NOT_COMPLETED_WINDOW_TEXT&quot;:&quot;To advance to this slide, complete the quiz on slide %SLIDE_INDEX%.&quot;,&quot;PB_PRECEDING_QUIZ_NOT_PASSED_WINDOW_TEXT&quot;:&quot;To advance to this slide, you need to pass the quiz on slide %SLIDE_INDEX%.&quot;,&quot;PB_PRECEDING_SCENARIO_FAILED_WINDOW_TEXT&quot;:&quot;You haven't passed the role-play on slide %SLIDE_INDEX% and can't advance to the next slide.&quot;,&quot;PB_PRECEDING_SCENARIO_NOT_COMPLETED_WINDOW_TEXT&quot;:&quot;To advance to this slide, complete the role-play on slide %SLIDE_INDEX%.&quot;,&quot;PB_PRECEDING_SCENARIO_NOT_PASSED_WINDOW_TEXT&quot;:&quot;To advance to this slide, you need to pass the role-play on slide %SLIDE_INDEX%.&quot;,&quot;PB_PRESENTER_COLLAPSE_BIO&quot;:&quot;Show less&quot;,&quot;PB_PRESENTER_EMAIL&quot;:&quot;Email&quot;,&quot;PB_PRESENTER_EXPAND_BIO&quot;:&quot;Show more&quot;,&quot;PB_PRESENTER_NO_INFO&quot;:&quot;No presenter info.&quot;,&quot;PB_PRESENTER_WEBSITE&quot;:&quot;Website&quot;,&quot;PB_QUIZ_SLIDE_WINDOW_TEXT&quot;:&quot;To advance to the next slide, complete this quiz.&quot;,&quot;PB_RATE_MENU_CAPTION&quot;:&quot;Speed&quot;,&quot;PB_RATE_MENU_DEFAULT_RATE&quot;:&quot;Normal&quot;,&quot;PB_RESUME_PRESENTATION_WINDOW_TEXT&quot;:&quot;Do you want to resume where you left off?&quot;,&quot;PB_SCENARIO_SLIDE_WINDOW_TEXT&quot;:&quot;To advance to the next slide, complete this role-play.&quot;,&quot;PB_SEARCH_CANCEL&quot;:&quot;Cancel&quot;,&quot;PB_SEARCH_NO_RESULTS_LABEL&quot;:&quot;No matches found.&quot;,&quot;PB_SEARCH_PANEL_DEFAULT_TEXT&quot;:&quot;Search…&quot;,&quot;PB_SEARCH_RESULTS_LABEL&quot;:&quot;Search results&quot;,&quot;PB_SEARCH_RESULT_IN_NOTES&quot;:&quot;in notes&quot;,&quot;PB_SEARCH_RESULT_IN_TEXT_LABEL&quot;:&quot;in slide&quot;,&quot;PB_SUBTITLES_MENU_CAPTION&quot;:&quot;Subtitles&quot;,&quot;PB_SUBTITLES_OFF&quot;:&quot;Off&quot;,&quot;PB_TAB_NOTES_LABEL&quot;:&quot;Notes&quot;,&quot;PB_TAB_OUTLINE_LABEL&quot;:&quot;Slides&quot;,&quot;PB_TIME_RESTRICTION&quot;:&quot;Sorry, the content author has prohibited viewing the presentation at this time.&quot;,&quot;PB_TITLE_PANEL_ATTACHMENTS&quot;:&quot;Resources&quot;,&quot;PB_TITLE_PANEL_MARKER_TOOLS&quot;:&quot;Drawing&quot;,&quot;PB_TITLE_PANEL_NOTES&quot;:&quot;Notes&quot;,&quot;PB_TITLE_PANEL_OUTLINE&quot;:&quot;Outline&quot;,&quot;PB_TITLE_PANEL_PRESENTER_INFO&quot;:&quot;Presenter Info&quot;,&quot;PB_TREE_CONTROL_LOADING&quot;:&quot;Loading…&quot;,&quot;PB_VIDEO_WINDOW_NO_VIDEO_LABEL&quot;:&quot;No video&quot;},&quot;playbackAndNavigationSettings&quot;:{&quot;autoStart&quot;:true,&quot;saveAnimationStates&quot;:true,&quot;loopPresentation&quot;:false,&quot;autoPlayAnimations&quot;:false,&quot;autoPlayAnimationsTime&quot;:1,&quot;navigationType&quot;:&quot;FREE&quot;,&quot;resumeMode&quot;:&quot;PROMPT&quot;,&quot;enableKeyboardNavigation&quot;:true},&quot;keyboardSettings&quot;:&quot;&quot;,&quot;skinVersion&quot;:4,&quot;skinCompatibleVersion&quot;:0,&quot;publishSettings&quot;:{&quot;backgroundColor&quot;:&quot;#DCDEE0&quot;,&quot;playerDimensions&quot;:{&quot;height&quot;:144,&quot;width&quot;:16},&quot;playerModule&quot;:&quot;UniversalHtml&quot;,&quot;presentationContent&quot;:{&quot;metadata&quot;:{&quot;references&quot;:true,&quot;texts&quot;:[&quot;DT_COURSE_TITLE&quot;,&quot;DT_REFERENCE_URL&quot;,&quot;DT_REFERENCE_TITLE&quot;,&quot;DT_PRESENTER_BIO&quot;,&quot;DT_PRESENTER_EMAIL&quot;,&quot;DT_PRESENTER_WEBSITE&quot;,&quot;DT_PRESENTER_PHONE&quot;,&quot;DT_PRESENTER_TITLE&quot;,&quot;DT_PRESENTER_NAME&quot;,&quot;DT_SLIDE_NOTES_HTML&quot;,&quot;DT_SLIDE_NOTES_TEXT&quot;,&quot;DT_SLIDE_TITLE&quot;,&quot;DT_SLIDE_NOTES_TEXT&quot;,&quot;DT_SLIDE_TEXT&quot;,&quot;DT_HYPERLINK_TOOLTIP&quot;]},&quot;resources&quot;:{&quot;attachments&quot;:true,&quot;fonts&quot;:[{&quot;charsets&quot;:{&quot;dynamicFormatted&quot;:[&quot;DCT_SLIDE_NOTES_TEXT&quot;,&quot;DCT_INTERACTIVITY_TEXT&quot;,&quot;DCT_INTERACTIVITY_SEMIBOLD_TEXT&quot;],&quot;dynamicPlain&quot;:[&quot;DCT_COURSE_TITLE&quot;,&quot;DCT_REFERENCE_URL&quot;,&quot;DCT_REFERENCE_TITLE&quot;,&quot;DCT_PRESENTER_BIO&quot;,&quot;DCT_PRESENTER_EMAIL&quot;,&quot;DCT_PRESENTER_WEBSITE&quot;,&quot;DCT_PRESENTER_PHONE&quot;,&quot;DCT_PRESENTER_TITLE&quot;,&quot;DCT_PRESENTER_NAME&quot;,&quot;DCT_SLIDE_TITLE&quot;,&quot;DCT_SLIDE_NOTES_TEXT&quot;,&quot;DCT_SLIDE_TEXT&quot;,&quot;DCT_HYPERLINK_TOOLTIP&quot;],&quot;static&quot;:[&quot;Resources&quot;,&quot;Link&quot;,&quot;Picture&quot;,&quot;Video&quot;,&quot;Document&quot;,&quot;File&quot;,&quot;Drawing&quot;,&quot;Pen&quot;,&quot;Highlighter&quot;,&quot;Eraser&quot;,&quot;Erase all&quot;,&quot;Finish drawing&quot;,&quot;Email&quot;,&quot;Website&quot;,&quot;Show more&quot;,&quot;Show less&quot;,&quot;Presenter Info&quot;,&quot;1234567890&quot;,&quot;Slides&quot;,&quot;Outline&quot;,&quot;Search…&quot;,&quot;in slide&quot;,&quot;Search results&quot;,&quot;No matches found.&quot;,&quot;in notes&quot;,&quot;Cancel&quot;,&quot;Next&quot;,&quot;Full screen&quot;,&quot;Exit full screen&quot;,&quot;0123456789.,x&quot;,&quot;Speed&quot;,&quot;Normal&quot;,&quot;Volume&quot;,&quot;Replay&quot;,&quot;Notes&quot;,&quot;%SLIDE_NUMBER% of %TOTAL_SLIDES%&quot;,&quot;Yes&quot;,&quot;No&quot;,&quot;OK&quot;,&quot;Do you want to resume where you left off?&quot;,&quot;Rotate your device to the portrait mode&quot;,&quot;Rotate your device to landscape mode&quot;,&quot;Complete the slide to go to the next one.&quot;,&quot;You can only view slides in order.&quot;,&quot;To advance to the next slide, complete this quiz.&quot;,&quot;To advance to this slide, you need to pass the quiz on slide %SLIDE_INDEX%.&quot;,&quot;To advance to this slide, complete the quiz on slide %SLIDE_INDEX%.&quot;,&quot;You haven't passed the quiz on slide %SLIDE_INDEX% and can't advance to the next slide.&quot;,&quot;To advance to the next slide, complete this interaction.&quot;,&quot;To advance to the next slide, complete this role-play.&quot;,&quot;To advance to this slide, you need to pass the role-play on slide %SLIDE_INDEX%.&quot;,&quot;To advance to this slide, complete the role-play on slide %SLIDE_INDEX%.&quot;,&quot;You haven't passed the role-play on slide %SLIDE_INDEX% and can't advance to the next slide.&quot;,&quot;Enter the password to view this presentation.&quot;,&quot;Incorrect password.&quot;,&quot;Sorry, the content author has prohibited sharing the presentation on this domain.&quot;,&quot;Sorry, the content author has prohibited viewing the presentation at this time.&quot;,&quot;Go back&quot;]},&quot;embedName&quot;:&quot;PFn&quot;,&quot;fontFamily&quot;:&quot;Arial&quot;,&quot;isBold&quot;:false,&quot;isItalic&quot;:false,&quot;isSemibold&quot;:false,&quot;substituteFontFamily&quot;:&quot;Arial&quot;},{&quot;charsets&quot;:{&quot;dynamicFormatted&quot;:[&quot;DCT_SLIDE_NOTES_TEXT&quot;,&quot;DCT_INTERACTIVITY_TEXT&quot;,&quot;DCT_INTERACTIVITY_SEMIBOLD_TEXT&quot;],&quot;dynamicPlain&quot;:[&quot;DCT_COURSE_TITLE&quot;,&quot;DCT_REFERENCE_URL&quot;,&quot;DCT_REFERENCE_TITLE&quot;,&quot;DCT_PRESENTER_BIO&quot;,&quot;DCT_PRESENTER_EMAIL&quot;,&quot;DCT_PRESENTER_WEBSITE&quot;,&quot;DCT_PRESENTER_PHONE&quot;,&quot;DCT_PRESENTER_TITLE&quot;,&quot;DCT_PRESENTER_NAME&quot;,&quot;DCT_SLIDE_TITLE&quot;,&quot;DCT_SLIDE_NOTES_TEXT&quot;,&quot;DCT_SLIDE_TEXT&quot;,&quot;DCT_HYPERLINK_TOOLTIP&quot;],&quot;static&quot;:[&quot;Resources&quot;,&quot;Link&quot;,&quot;Picture&quot;,&quot;Video&quot;,&quot;Document&quot;,&quot;File&quot;,&quot;Drawing&quot;,&quot;Pen&quot;,&quot;Highlighter&quot;,&quot;Eraser&quot;,&quot;Erase all&quot;,&quot;Finish drawing&quot;,&quot;Email&quot;,&quot;Website&quot;,&quot;Show more&quot;,&quot;Show less&quot;,&quot;Presenter Info&quot;,&quot;1234567890&quot;,&quot;Slides&quot;,&quot;Outline&quot;,&quot;Search…&quot;,&quot;in slide&quot;,&quot;Search results&quot;,&quot;No matches found.&quot;,&quot;in notes&quot;,&quot;Cancel&quot;,&quot;Next&quot;,&quot;Full screen&quot;,&quot;Exit full screen&quot;,&quot;0123456789.,x&quot;,&quot;Speed&quot;,&quot;Normal&quot;,&quot;Volume&quot;,&quot;Replay&quot;,&quot;Notes&quot;,&quot;%SLIDE_NUMBER% of %TOTAL_SLIDES%&quot;,&quot;Yes&quot;,&quot;No&quot;,&quot;OK&quot;,&quot;Do you want to resume where you left off?&quot;,&quot;Rotate your device to the portrait mode&quot;,&quot;Rotate your device to landscape mode&quot;,&quot;Complete the slide to go to the next one.&quot;,&quot;You can only view slides in order.&quot;,&quot;To advance to the next slide, complete this quiz.&quot;,&quot;To advance to this slide, you need to pass the quiz on slide %SLIDE_INDEX%.&quot;,&quot;To advance to this slide, complete the quiz on slide %SLIDE_INDEX%.&quot;,&quot;You haven't passed the quiz on slide %SLIDE_INDEX% and can't advance to the next slide.&quot;,&quot;To advance to the next slide, complete this interaction.&quot;,&quot;To advance to the next slide, complete this role-play.&quot;,&quot;To advance to this slide, you need to pass the role-play on slide %SLIDE_INDEX%.&quot;,&quot;To advance to this slide, complete the role-play on slide %SLIDE_INDEX%.&quot;,&quot;You haven't passed the role-play on slide %SLIDE_INDEX% and can't advance to the next slide.&quot;,&quot;Enter the password to view this presentation.&quot;,&quot;Incorrect password.&quot;,&quot;Sorry, the content author has prohibited sharing the presentation on this domain.&quot;,&quot;Sorry, the content author has prohibited viewing the presentation at this time.&quot;,&quot;Go back&quot;]},&quot;embedName&quot;:&quot;PFnb&quot;,&quot;fontFamily&quot;:&quot;Arial&quot;,&quot;isBold&quot;:true,&quot;isItalic&quot;:false,&quot;isSemibold&quot;:false,&quot;substituteFontFamily&quot;:&quot;Arial&quot;},{&quot;charsets&quot;:{&quot;dynamicFormatted&quot;:[&quot;DCT_SLIDE_NOTES_TEXT&quot;,&quot;DCT_INTERACTIVITY_TEXT&quot;,&quot;DCT_INTERACTIVITY_SEMIBOLD_TEXT&quot;],&quot;dynamicPlain&quot;:[&quot;DCT_COURSE_TITLE&quot;,&quot;DCT_REFERENCE_URL&quot;,&quot;DCT_REFERENCE_TITLE&quot;,&quot;DCT_PRESENTER_BIO&quot;,&quot;DCT_PRESENTER_EMAIL&quot;,&quot;DCT_PRESENTER_WEBSITE&quot;,&quot;DCT_PRESENTER_PHONE&quot;,&quot;DCT_PRESENTER_TITLE&quot;,&quot;DCT_PRESENTER_NAME&quot;,&quot;DCT_SLIDE_TITLE&quot;,&quot;DCT_SLIDE_NOTES_TEXT&quot;,&quot;DCT_SLIDE_TEXT&quot;,&quot;DCT_HYPERLINK_TOOLTIP&quot;],&quot;static&quot;:[&quot;Resources&quot;,&quot;Link&quot;,&quot;Picture&quot;,&quot;Video&quot;,&quot;Document&quot;,&quot;File&quot;,&quot;Drawing&quot;,&quot;Pen&quot;,&quot;Highlighter&quot;,&quot;Eraser&quot;,&quot;Erase all&quot;,&quot;Finish drawing&quot;,&quot;Email&quot;,&quot;Website&quot;,&quot;Show more&quot;,&quot;Show less&quot;,&quot;Presenter Info&quot;,&quot;1234567890&quot;,&quot;Slides&quot;,&quot;Outline&quot;,&quot;Search…&quot;,&quot;in slide&quot;,&quot;Search results&quot;,&quot;No matches found.&quot;,&quot;in notes&quot;,&quot;Cancel&quot;,&quot;Next&quot;,&quot;Full screen&quot;,&quot;Exit full screen&quot;,&quot;0123456789.,x&quot;,&quot;Speed&quot;,&quot;Normal&quot;,&quot;Volume&quot;,&quot;Replay&quot;,&quot;Notes&quot;,&quot;%SLIDE_NUMBER% of %TOTAL_SLIDES%&quot;,&quot;Yes&quot;,&quot;No&quot;,&quot;OK&quot;,&quot;Do you want to resume where you left off?&quot;,&quot;Rotate your device to the portrait mode&quot;,&quot;Rotate your device to landscape mode&quot;,&quot;Complete the slide to go to the next one.&quot;,&quot;You can only view slides in order.&quot;,&quot;To advance to the next slide, complete this quiz.&quot;,&quot;To advance to this slide, you need to pass the quiz on slide %SLIDE_INDEX%.&quot;,&quot;To advance to this slide, complete the quiz on slide %SLIDE_INDEX%.&quot;,&quot;You haven't passed the quiz on slide %SLIDE_INDEX% and can't advance to the next slide.&quot;,&quot;To advance to the next slide, complete this interaction.&quot;,&quot;To advance to the next slide, complete this role-play.&quot;,&quot;To advance to this slide, you need to pass the role-play on slide %SLIDE_INDEX%.&quot;,&quot;To advance to this slide, complete the role-play on slide %SLIDE_INDEX%.&quot;,&quot;You haven't passed the role-play on slide %SLIDE_INDEX% and can't advance to the next slide.&quot;,&quot;Enter the password to view this presentation.&quot;,&quot;Incorrect password.&quot;,&quot;Sorry, the content author has prohibited sharing the presentation on this domain.&quot;,&quot;Sorry, the content author has prohibited viewing the presentation at this time.&quot;,&quot;Go back&quot;]},&quot;embedName&quot;:&quot;PFni&quot;,&quot;fontFamily&quot;:&quot;Arial&quot;,&quot;isBold&quot;:false,&quot;isItalic&quot;:true,&quot;isSemibold&quot;:false,&quot;substituteFontFamily&quot;:&quot;Arial&quot;},{&quot;charsets&quot;:{&quot;dynamicFormatted&quot;:[&quot;DCT_SLIDE_NOTES_TEXT&quot;,&quot;DCT_INTERACTIVITY_TEXT&quot;,&quot;DCT_INTERACTIVITY_SEMIBOLD_TEXT&quot;],&quot;dynamicPlain&quot;:[&quot;DCT_COURSE_TITLE&quot;,&quot;DCT_REFERENCE_URL&quot;,&quot;DCT_REFERENCE_TITLE&quot;,&quot;DCT_PRESENTER_BIO&quot;,&quot;DCT_PRESENTER_EMAIL&quot;,&quot;DCT_PRESENTER_WEBSITE&quot;,&quot;DCT_PRESENTER_PHONE&quot;,&quot;DCT_PRESENTER_TITLE&quot;,&quot;DCT_PRESENTER_NAME&quot;,&quot;DCT_SLIDE_TITLE&quot;,&quot;DCT_SLIDE_NOTES_TEXT&quot;,&quot;DCT_SLIDE_TEXT&quot;,&quot;DCT_HYPERLINK_TOOLTIP&quot;],&quot;static&quot;:[&quot;Resources&quot;,&quot;Link&quot;,&quot;Picture&quot;,&quot;Video&quot;,&quot;Document&quot;,&quot;File&quot;,&quot;Drawing&quot;,&quot;Pen&quot;,&quot;Highlighter&quot;,&quot;Eraser&quot;,&quot;Erase all&quot;,&quot;Finish drawing&quot;,&quot;Email&quot;,&quot;Website&quot;,&quot;Show more&quot;,&quot;Show less&quot;,&quot;Presenter Info&quot;,&quot;1234567890&quot;,&quot;Slides&quot;,&quot;Outline&quot;,&quot;Search…&quot;,&quot;in slide&quot;,&quot;Search results&quot;,&quot;No matches found.&quot;,&quot;in notes&quot;,&quot;Cancel&quot;,&quot;Next&quot;,&quot;Full screen&quot;,&quot;Exit full screen&quot;,&quot;0123456789.,x&quot;,&quot;Speed&quot;,&quot;Normal&quot;,&quot;Volume&quot;,&quot;Replay&quot;,&quot;Notes&quot;,&quot;%SLIDE_NUMBER% of %TOTAL_SLIDES%&quot;,&quot;Yes&quot;,&quot;No&quot;,&quot;OK&quot;,&quot;Do you want to resume where you left off?&quot;,&quot;Rotate your device to the portrait mode&quot;,&quot;Rotate your device to landscape mode&quot;,&quot;Complete the slide to go to the next one.&quot;,&quot;You can only view slides in order.&quot;,&quot;To advance to the next slide, complete this quiz.&quot;,&quot;To advance to this slide, you need to pass the quiz on slide %SLIDE_INDEX%.&quot;,&quot;To advance to this slide, complete the quiz on slide %SLIDE_INDEX%.&quot;,&quot;You haven't passed the quiz on slide %SLIDE_INDEX% and can't advance to the next slide.&quot;,&quot;To advance to the next slide, complete this interaction.&quot;,&quot;To advance to the next slide, complete this role-play.&quot;,&quot;To advance to this slide, you need to pass the role-play on slide %SLIDE_INDEX%.&quot;,&quot;To advance to this slide, complete the role-play on slide %SLIDE_INDEX%.&quot;,&quot;You haven't passed the role-play on slide %SLIDE_INDEX% and can't advance to the next slide.&quot;,&quot;Enter the password to view this presentation.&quot;,&quot;Incorrect password.&quot;,&quot;Sorry, the content author has prohibited sharing the presentation on this domain.&quot;,&quot;Sorry, the content author has prohibited viewing the presentation at this time.&quot;,&quot;Go back&quot;]},&quot;embedName&quot;:&quot;PFnbi&quot;,&quot;fontFamily&quot;:&quot;Arial&quot;,&quot;isBold&quot;:true,&quot;isItalic&quot;:true,&quot;isSemibold&quot;:false,&quot;substituteFontFamily&quot;:&quot;Arial&quot;},{&quot;charsets&quot;:{&quot;dynamicFormatted&quot;:[&quot;DCT_SLIDE_NOTES_TEXT&quot;,&quot;DCT_INTERACTIVITY_TEXT&quot;,&quot;DCT_INTERACTIVITY_SEMIBOLD_TEXT&quot;],&quot;dynamicPlain&quot;:[&quot;DCT_COURSE_TITLE&quot;,&quot;DCT_REFERENCE_URL&quot;,&quot;DCT_REFERENCE_TITLE&quot;,&quot;DCT_PRESENTER_BIO&quot;,&quot;DCT_PRESENTER_EMAIL&quot;,&quot;DCT_PRESENTER_WEBSITE&quot;,&quot;DCT_PRESENTER_PHONE&quot;,&quot;DCT_PRESENTER_TITLE&quot;,&quot;DCT_PRESENTER_NAME&quot;,&quot;DCT_SLIDE_TITLE&quot;,&quot;DCT_SLIDE_NOTES_TEXT&quot;,&quot;DCT_SLIDE_TEXT&quot;,&quot;DCT_HYPERLINK_TOOLTIP&quot;],&quot;static&quot;:[&quot;Resources&quot;,&quot;Link&quot;,&quot;Picture&quot;,&quot;Video&quot;,&quot;Document&quot;,&quot;File&quot;,&quot;Drawing&quot;,&quot;Pen&quot;,&quot;Highlighter&quot;,&quot;Eraser&quot;,&quot;Erase all&quot;,&quot;Finish drawing&quot;,&quot;Email&quot;,&quot;Website&quot;,&quot;Show more&quot;,&quot;Show less&quot;,&quot;Presenter Info&quot;,&quot;1234567890&quot;,&quot;Slides&quot;,&quot;Outline&quot;,&quot;Search…&quot;,&quot;in slide&quot;,&quot;Search results&quot;,&quot;No matches found.&quot;,&quot;in notes&quot;,&quot;Cancel&quot;,&quot;Next&quot;,&quot;Full screen&quot;,&quot;Exit full screen&quot;,&quot;0123456789.,x&quot;,&quot;Speed&quot;,&quot;Normal&quot;,&quot;Volume&quot;,&quot;Replay&quot;,&quot;Notes&quot;,&quot;%SLIDE_NUMBER% of %TOTAL_SLIDES%&quot;,&quot;Yes&quot;,&quot;No&quot;,&quot;OK&quot;,&quot;Do you want to resume where you left off?&quot;,&quot;Rotate your device to the portrait mode&quot;,&quot;Rotate your device to landscape mode&quot;,&quot;Complete the slide to go to the next one.&quot;,&quot;You can only view slides in order.&quot;,&quot;To advance to the next slide, complete this quiz.&quot;,&quot;To advance to this slide, you need to pass the quiz on slide %SLIDE_INDEX%.&quot;,&quot;To advance to this slide, complete the quiz on slide %SLIDE_INDEX%.&quot;,&quot;You haven't passed the quiz on slide %SLIDE_INDEX% and can't advance to the next slide.&quot;,&quot;To advance to the next slide, complete this interaction.&quot;,&quot;To advance to the next slide, complete this role-play.&quot;,&quot;To advance to this slide, you need to pass the role-play on slide %SLIDE_INDEX%.&quot;,&quot;To advance to this slide, complete the role-play on slide %SLIDE_INDEX%.&quot;,&quot;You haven't passed the role-play on slide %SLIDE_INDEX% and can't advance to the next slide.&quot;,&quot;Enter the password to view this presentation.&quot;,&quot;Incorrect password.&quot;,&quot;Sorry, the content author has prohibited sharing the presentation on this domain.&quot;,&quot;Sorry, the content author has prohibited viewing the presentation at this time.&quot;,&quot;Go back&quot;]},&quot;embedName&quot;:&quot;PFnsb&quot;,&quot;fontFamily&quot;:&quot;Arial&quot;,&quot;isBold&quot;:false,&quot;isItalic&quot;:false,&quot;isSemibold&quot;:true,&quot;substituteFontFamily&quot;:&quot;Arial&quot;},{&quot;charsets&quot;:{&quot;dynamicFormatted&quot;:[&quot;DCT_SLIDE_NOTES_TEXT&quot;,&quot;DCT_INTERACTIVITY_TEXT&quot;,&quot;DCT_INTERACTIVITY_SEMIBOLD_TEXT&quot;],&quot;dynamicPlain&quot;:[&quot;DCT_COURSE_TITLE&quot;,&quot;DCT_REFERENCE_URL&quot;,&quot;DCT_REFERENCE_TITLE&quot;,&quot;DCT_PRESENTER_BIO&quot;,&quot;DCT_PRESENTER_EMAIL&quot;,&quot;DCT_PRESENTER_WEBSITE&quot;,&quot;DCT_PRESENTER_PHONE&quot;,&quot;DCT_PRESENTER_TITLE&quot;,&quot;DCT_PRESENTER_NAME&quot;,&quot;DCT_SLIDE_TITLE&quot;,&quot;DCT_SLIDE_NOTES_TEXT&quot;,&quot;DCT_SLIDE_TEXT&quot;,&quot;DCT_HYPERLINK_TOOLTIP&quot;],&quot;static&quot;:[&quot;Resources&quot;,&quot;Link&quot;,&quot;Picture&quot;,&quot;Video&quot;,&quot;Document&quot;,&quot;File&quot;,&quot;Drawing&quot;,&quot;Pen&quot;,&quot;Highlighter&quot;,&quot;Eraser&quot;,&quot;Erase all&quot;,&quot;Finish drawing&quot;,&quot;Email&quot;,&quot;Website&quot;,&quot;Show more&quot;,&quot;Show less&quot;,&quot;Presenter Info&quot;,&quot;1234567890&quot;,&quot;Slides&quot;,&quot;Outline&quot;,&quot;Search…&quot;,&quot;in slide&quot;,&quot;Search results&quot;,&quot;No matches found.&quot;,&quot;in notes&quot;,&quot;Cancel&quot;,&quot;Next&quot;,&quot;Full screen&quot;,&quot;Exit full screen&quot;,&quot;0123456789.,x&quot;,&quot;Speed&quot;,&quot;Normal&quot;,&quot;Volume&quot;,&quot;Replay&quot;,&quot;Notes&quot;,&quot;%SLIDE_NUMBER% of %TOTAL_SLIDES%&quot;,&quot;Yes&quot;,&quot;No&quot;,&quot;OK&quot;,&quot;Do you want to resume where you left off?&quot;,&quot;Rotate your device to the portrait mode&quot;,&quot;Rotate your device to landscape mode&quot;,&quot;Complete the slide to go to the next one.&quot;,&quot;You can only view slides in order.&quot;,&quot;To advance to the next slide, complete this quiz.&quot;,&quot;To advance to this slide, you need to pass the quiz on slide %SLIDE_INDEX%.&quot;,&quot;To advance to this slide, complete the quiz on slide %SLIDE_INDEX%.&quot;,&quot;You haven't passed the quiz on slide %SLIDE_INDEX% and can't advance to the next slide.&quot;,&quot;To advance to the next slide, complete this interaction.&quot;,&quot;To advance to the next slide, complete this role-play.&quot;,&quot;To advance to this slide, you need to pass the role-play on slide %SLIDE_INDEX%.&quot;,&quot;To advance to this slide, complete the role-play on slide %SLIDE_INDEX%.&quot;,&quot;You haven't passed the role-play on slide %SLIDE_INDEX% and can't advance to the next slide.&quot;,&quot;Enter the password to view this presentation.&quot;,&quot;Incorrect password.&quot;,&quot;Sorry, the content author has prohibited sharing the presentation on this domain.&quot;,&quot;Sorry, the content author has prohibited viewing the presentation at this time.&quot;,&quot;Go back&quot;]},&quot;embedName&quot;:&quot;PFnsbi&quot;,&quot;fontFamily&quot;:&quot;Arial&quot;,&quot;isBold&quot;:false,&quot;isItalic&quot;:true,&quot;isSemibold&quot;:true,&quot;substituteFontFamily&quot;:&quot;Arial&quot;}],&quot;interactivity&quot;:{&quot;fullSupport&quot;:true},&quot;presenterPhotos&quot;:{&quot;enlargeToFit&quot;:false,&quot;height&quot;:105,&quot;jpegQuality&quot;:100,&quot;keepAspectRatio&quot;:true,&quot;width&quot;:94},&quot;slideThumbnails&quot;:{&quot;enlargeToFit&quot;:false,&quot;height&quot;:59,&quot;jpegQuality&quot;:100,&quot;keepAspectRatio&quot;:true,&quot;width&quot;:78}}}},&quot;ceipData&quot;:{&quot;enableMiniSkinCustomization&quot;:true,&quot;playerLayout&quot;:&quot;builtin.fullPlayer&quot;,&quot;playerLayoutFooter&quot;:&quot;playAndPause,acceleration,notes,replay,fullscreen,volumeControl,slideNumber,goToPrev,goToNext&quot;,&quot;playerLayoutHeader&quot;:&quot;resources,markerTools,presenterInfo,outline,title&quot;,&quot;playerLayoutHeaderButtonsPosition&quot;:&quot;right&quot;,&quot;playerLayoutOutline&quot;:&quot;enableSearch,showThumbnails,showSlideNumber,enableMultilevel&quot;,&quot;playerLayoutProgress&quot;:&quot;enabledNavigation,showLabels&quot;,&quot;playerLayoutProgressMode&quot;:&quot;presentationTimeline&quot;,&quot;playerLayoutSidebar&quot;:&quot;&quot;,&quot;playerLayoutSidebarPosition&quot;:&quot;&quot;,&quot;playerMessages&quot;:&quot;builtin.en&quot;,&quot;playerNavigationAutoStart&quot;:true,&quot;playerNavigationEnableKeyboardNavigation&quot;:true,&quot;playerNavigationMode&quot;:&quot;bySlides&quot;,&quot;playerNavigationOnRestart&quot;:&quot;prompt&quot;,&quot;playerNavigationSaveAnimationStates&quot;:true,&quot;playerNavigationType&quot;:&quot;free&quot;,&quot;playerTheme&quot;:&quot;custom&quot;,&quot;playerThemeBorderRadius&quot;:10,&quot;playerThemeColorScheme&quot;:&quot;builtin.lightBlue&quot;,&quot;playerThemeFont&quot;:&quot;Arial&quot;}}}"/>
   <p:tag name="ISPRING-CONVERTER_ISPRING_CURRENT_PLAYER_ID" val="universal"/>
   <p:tag name="ISPRING_PRESENTATION_COURSE_TITLE" val="AIDA64"/>
   <p:tag name="ISPRING_LMS_API_VERSION" val="SCORM 2004 (4th edition)"/>
   <p:tag name="ISPRING_ULTRA_SCORM_COURSE_ID" val="A106EA8E-221F-406A-982D-39E1818E21D5"/>
   <p:tag name="ISPRING_CMI5_LAUNCH_METHOD" val="any window"/>
-  <p:tag name="ISPRING_SCORM_ENDPOINT" val="&lt;endpoint&gt;&lt;enable&gt;0&lt;/enable&gt;&lt;lrs&gt;https://&lt;/lrs&gt;&lt;auth&gt;0&lt;/auth&gt;&lt;login&gt;&lt;/login&gt;&lt;password&gt;&lt;/password&gt;&lt;key&gt;&lt;/key&gt;&lt;name&gt;&lt;/name&gt;&lt;email&gt;&lt;/email&gt;&lt;/endpoint&gt;&#10;"/>
   <p:tag name="ISPRING_SCORM_RATE_SLIDES" val="1"/>
   <p:tag name="ISPRINGCLOUDFOLDERID" val="1"/>
   <p:tag name="ISPRINGONLINEFOLDERID" val="1"/>
-  <p:tag name="ISPRING_OUTPUT_FOLDER" val="[[&quot;ǽ\uFFFD\uFFFD{60C6311E-6C41-4B4B-A2B3-DD5228B277D9}&quot;,&quot;C:\\Users\\Redux\\Desktop\\Прототип сайта\\---------------1\\Presentation&quot;]]"/>
-  <p:tag name="ISPRING_PUBLISH_SETTINGS" val="{&quot;commonSettings&quot;:{&quot;webSettings&quot;:{&quot;useMobileViewer&quot;:&quot;T_FALSE&quot;},&quot;lmsSettings&quot;:{&quot;useMobileViewer&quot;:&quot;T_FALSE&quot;},&quot;cloudSettings&quot;:{&quot;useMobileViewer&quot;:&quot;T_FALSE&quot;},&quot;ispringLmsSettings&quot;:{&quot;useMobileViewer&quot;:&quot;T_FALSE&quot;},&quot;playerId&quot;:&quot;universal&quot;,&quot;studioSettings&quot;:{&quot;useMobileViewer&quot;:&quot;T_FALSE&quot;}},&quot;advancedSettings&quot;:{&quot;enableTextAllocation&quot;:&quot;T_TRUE&quot;,&quot;viewingFromLocalDrive&quot;:&quot;T_TRUE&quot;,&quot;contentScale&quot;:75,&quot;contentScaleMode&quot;:&quot;SCALE&quot;},&quot;accessibilitySettings&quot;:{&quot;enabled&quot;:&quot;T_FALSE&quot;},&quot;compressionSettings&quot;:{&quot;imageSettings&quot;:{&quot;jpegQuality&quot;:70,&quot;optimizeImageForResolution&quot;:&quot;T_FALSE&quot;},&quot;audioQuality&quot;:70,&quot;videoQuality&quot;:65},&quot;protectionSettings&quot;:{&quot;watermarkEnabled&quot;:&quot;T_FALSE&quot;,&quot;watermarkPosition&quot;:&quot;MIDDLE_CENTER&quot;,&quot;openWatermarkUrl&quot;:&quot;T_FALSE&quot;,&quot;openWatermarkWebPageInNewWindow&quot;:&quot;T_FALSE&quot;,&quot;displayAfterEnabled&quot;:&quot;T_FALSE&quot;,&quot;displayUntilEnabled&quot;:&quot;T_FALSE&quot;,&quot;domainRestrictionEnabled&quot;:&quot;T_FALSE&quot;,&quot;enablePassword&quot;:&quot;T_FALSE&quot;},&quot;videoSettings&quot;:{&quot;videoCompressionSettings&quot;:{&quot;audioQuality&quot;:70,&quot;videoQuality&quot;:75},&quot;secondsOnEachSlide&quot;:5,&quot;hostingSettings&quot;:{}},&quot;ispringOnlineSettings&quot;:{&quot;onlineDestinationFolderId&quot;:&quot;1&quot;},&quot;cloudSettings&quot;:{&quot;onlineDestinationFolderId&quot;:&quot;1&quot;},&quot;wordSettings&quot;:{&quot;printCopies&quot;:1},&quot;studioSettings&quot;:{&quot;onlineDestinationFolderId&quot;:&quot;1&quot;,&quot;uploadSources&quot;:true}}"/>
-  <p:tag name="ISPRING_SCORM_RATE_QUIZZES" val="0"/>
   <p:tag name="ISPRING_SCORM_PASSING_SCORE" val="100.000000"/>
   <p:tag name="ISPRING_PRESENTATION_TITLE" val="AIDA64"/>
   <p:tag name="ISPRING_FIRST_PUBLISH" val="1"/>
+  <p:tag name="ISPRING-CONVERTER_ISPRING_PLAYERS_CUSTOMIZATION_2" val="{&quot;universal&quot;:{&quot;skinSettings&quot;:{&quot;borderRadius&quot;:20,&quot;colors&quot;:{&quot;asideBackground&quot;:{&quot;color&quot;:&quot;#EA7540&quot;,&quot;opacity&quot;:1,&quot;type&quot;:&quot;SOLID&quot;},&quot;asideElementBackgroundActive&quot;:{&quot;color&quot;:&quot;#414141&quot;,&quot;opacity&quot;:1,&quot;type&quot;:&quot;SOLID&quot;},&quot;asideElementBackgroundHover&quot;:{&quot;color&quot;:&quot;#FDAA84&quot;,&quot;opacity&quot;:1,&quot;type&quot;:&quot;SOLID&quot;},&quot;asideElementText&quot;:{&quot;color&quot;:&quot;#261813&quot;,&quot;opacity&quot;:1,&quot;type&quot;:&quot;SOLID&quot;},&quot;asideElementTextActive&quot;:{&quot;color&quot;:&quot;#FFFFFF&quot;,&quot;opacity&quot;:1,&quot;type&quot;:&quot;SOLID&quot;},&quot;asideElementTextHover&quot;:{&quot;color&quot;:&quot;#261813&quot;,&quot;opacity&quot;:1,&quot;type&quot;:&quot;SOLID&quot;},&quot;asideLogoBackground&quot;:{&quot;color&quot;:&quot;#EFF1F2&quot;,&quot;opacity&quot;:1,&quot;type&quot;:&quot;SOLID&quot;},&quot;pageBackground&quot;:{&quot;color&quot;:&quot;#F4E9E5&quot;,&quot;opacity&quot;:1,&quot;type&quot;:&quot;SOLID&quot;},&quot;playerBackground&quot;:{&quot;color&quot;:&quot;#FFFFFF&quot;,&quot;opacity&quot;:1,&quot;type&quot;:&quot;SOLID&quot;},&quot;playerText&quot;:{&quot;color&quot;:&quot;#616870&quot;,&quot;opacity&quot;:1,&quot;type&quot;:&quot;SOLID&quot;},&quot;primaryButtonBackground&quot;:{&quot;color&quot;:&quot;#374B5B&quot;,&quot;opacity&quot;:1,&quot;type&quot;:&quot;SOLID&quot;},&quot;primaryButtonBackgroundHover&quot;:{&quot;color&quot;:&quot;#EA7540&quot;,&quot;opacity&quot;:1,&quot;type&quot;:&quot;SOLID&quot;},&quot;primaryButtonBorder&quot;:{&quot;color&quot;:&quot;#374B5B&quot;,&quot;opacity&quot;:1,&quot;type&quot;:&quot;SOLID&quot;},&quot;primaryButtonBorderHover&quot;:{&quot;color&quot;:&quot;#EA7540&quot;,&quot;opacity&quot;:1,&quot;type&quot;:&quot;SOLID&quot;},&quot;primaryButtonText&quot;:{&quot;color&quot;:&quot;#FFFFFF&quot;,&quot;opacity&quot;:1,&quot;type&quot;:&quot;SOLID&quot;},&quot;primaryButtonTextHover&quot;:{&quot;color&quot;:&quot;#FFFFFF&quot;,&quot;opacity&quot;:1,&quot;type&quot;:&quot;SOLID&quot;},&quot;secondaryButtonBackground&quot;:{&quot;color&quot;:&quot;#F1F2F4&quot;,&quot;opacity&quot;:1,&quot;type&quot;:&quot;SOLID&quot;},&quot;secondaryButtonBackgroundHover&quot;:{&quot;color&quot;:&quot;#E5E5E5&quot;,&quot;opacity&quot;:1,&quot;type&quot;:&quot;SOLID&quot;},&quot;secondaryButtonBorder&quot;:{&quot;color&quot;:&quot;#F1F2F4&quot;,&quot;opacity&quot;:1,&quot;type&quot;:&quot;SOLID&quot;},&quot;secondaryButtonBorderHover&quot;:{&quot;color&quot;:&quot;#E5E5E5&quot;,&quot;opacity&quot;:1,&quot;type&quot;:&quot;SOLID&quot;},&quot;secondaryButtonText&quot;:{&quot;color&quot;:&quot;#616870&quot;,&quot;opacity&quot;:1,&quot;type&quot;:&quot;SOLID&quot;},&quot;secondaryButtonTextHover&quot;:{&quot;color&quot;:&quot;#616870&quot;,&quot;opacity&quot;:1,&quot;type&quot;:&quot;SOLID&quot;}},&quot;controlPanel&quot;:{&quot;navigationMode&quot;:&quot;bySlides&quot;,&quot;progressBar&quot;:{&quot;enabled&quot;:true,&quot;mode&quot;:&quot;presentationTimeline&quot;,&quot;showLabels&quot;:true,&quot;visible&quot;:true},&quot;showCCButton&quot;:false,&quot;showNextButton&quot;:true,&quot;showOutline&quot;:false,&quot;showPlayPause&quot;:false,&quot;showPlaybackRateButton&quot;:false,&quot;showPrevButton&quot;:true,&quot;showRewind&quot;:false,&quot;showSlideNumbers&quot;:true,&quot;showSlideOnlyButton&quot;:false,&quot;showSubtitlesButton&quot;:false,&quot;showTimer&quot;:false,&quot;showVolumeControl&quot;:false,&quot;visible&quot;:true},&quot;fontFamily&quot;:&quot;Arial&quot;,&quot;miniskinCustomizationEnabled&quot;:true,&quot;outlinePanel&quot;:{&quot;highlightViewedEntries&quot;:false,&quot;multilevel&quot;:true,&quot;numberEntries&quot;:true,&quot;search&quot;:true,&quot;thumbnails&quot;:true},&quot;rotatePromptEnabled&quot;:false,&quot;sidePanel&quot;:{&quot;showAtLeft&quot;:false,&quot;showLogo&quot;:false,&quot;showNotes&quot;:false,&quot;showOutline&quot;:false,&quot;showPresenterInfo&quot;:false,&quot;showPresenterVideo&quot;:false,&quot;visible&quot;:false},&quot;titlePanel&quot;:{&quot;buttons&quot;:[&quot;attachments&quot;,&quot;markerTools&quot;,&quot;presenterInfo&quot;,&quot;outline&quot;],&quot;buttonsAtLeft&quot;:true,&quot;courseTitleVisible&quot;:true,&quot;showLogo&quot;:false,&quot;visible&quot;:false},&quot;version&quot;:&quot;1.3&quot;},&quot;skinMessages&quot;:{&quot;PB_ACCESSIBLE_ARIA_LABEL_BACK_TO_BEGIN&quot;:&quot;Go to the beginning of the slide&quot;,&quot;PB_ACCESSIBLE_ARIA_LABEL_BOTTOM_PANEL&quot;:&quot;Bottom Bar&quot;,&quot;PB_ACCESSIBLE_ARIA_LABEL_NAVIGATION_BUTTONS&quot;:&quot;Navigation buttons&quot;,&quot;PB_ACCESSIBLE_ARIA_LABEL_SETTINGS&quot;:&quot;Accessibility Settings&quot;,&quot;PB_ACCESSIBLE_ARIA_LABEL_SLIDE&quot;:&quot;Slide&quot;,&quot;PB_ACCESSIBLE_ARIA_LABEL_TOP_PANEL&quot;:&quot;Top Bar&quot;,&quot;PB_ACCESSIBLE_AUDIO_NARRATION_LABEL&quot;:&quot;Audio narration&quot;,&quot;PB_ACCESSIBLE_AUDIO_SUBTITLES_LABEL&quot;:&quot;Closed Captions&quot;,&quot;PB_ACCESSIBLE_NAVIGATION_NEXT_BUTTON&quot;:&quot;Next&quot;,&quot;PB_ACCESSIBLE_NAVIGATION_PREV_BUTTON&quot;:&quot;Previous&quot;,&quot;PB_ACCESSIBLE_SKIN_ENABLE_ACCESSIBILITY_MODE&quot;:&quot;Turn on accessibility mode&quot;,&quot;PB_ACCESSIBLE_SKIN_ENABLE_NORMAL_MODE&quot;:&quot;Turn off accessibility mode&quot;,&quot;PB_ACCESSIBLE_SKIN_PRESENTER_PHOTO&quot;:&quot;Presenter photo&quot;,&quot;PB_ACCESSIBLE_SLIDE_N_OF_COUNT&quot;:&quot;Slide %SLIDE_NUMBER% of %TOTAL_SLIDES%&quot;,&quot;PB_ACCESSIBLE_VIDEO_NARRATION_LABEL&quot;:&quot;Video narration&quot;,&quot;PB_ACCESSIBLE_WATERMARK_SKIN_CREATED_WITH&quot;:&quot;Created with iSpring evaluation version&quot;,&quot;PB_ATTACHMENT_DOCUMENT_SUBTITLE&quot;:&quot;Document&quot;,&quot;PB_ATTACHMENT_FILE_SUBTITLE&quot;:&quot;File&quot;,&quot;PB_ATTACHMENT_IMAGE_SUBTITLE&quot;:&quot;Picture&quot;,&quot;PB_ATTACHMENT_LINK_SUBTITLE&quot;:&quot;Link&quot;,&quot;PB_ATTACHMENT_VIDEO_SUBTITLE&quot;:&quot;Video&quot;,&quot;PB_BACK_TO_APP_BUTTON_LABEL&quot;:&quot;Go back&quot;,&quot;PB_CONTROL_PANEL_CLOSED_CAPTIONS&quot;:&quot;Notes&quot;,&quot;PB_CONTROL_PANEL_EXIT_FULL_SCREEN&quot;:&quot;Exit full screen&quot;,&quot;PB_CONTROL_PANEL_FULL_SCREEN&quot;:&quot;Full screen&quot;,&quot;PB_CONTROL_PANEL_NEXT&quot;:&quot;Next&quot;,&quot;PB_CONTROL_PANEL_OUTLINE&quot;:&quot;Outline&quot;,&quot;PB_CONTROL_PANEL_PREV&quot;:&quot;&quot;,&quot;PB_CONTROL_PANEL_REPLAY&quot;:&quot;Replay&quot;,&quot;PB_CONTROL_PANEL_SLIDE_COUNTER&quot;:&quot;%SLIDE_NUMBER% of %TOTAL_SLIDES%&quot;,&quot;PB_CONTROL_PANEL_SUBTITLES&quot;:&quot;Closed Captions&quot;,&quot;PB_CONTROL_PANEL_VOLUME_CONTROL&quot;:&quot;Volume&quot;,&quot;PB_CURRENT_SLIDE_IS_NOT_COMPLETED&quot;:&quot;Complete the slide to go to the next one.&quot;,&quot;PB_DOMAIN_RESTRICTION&quot;:&quot;Sorry, the content author has prohibited sharing the presentation on this domain.&quot;,&quot;PB_DRAWING_TOOLS_END_DRAWING&quot;:&quot;Finish drawing&quot;,&quot;PB_DRAWING_TOOLS_ERASER&quot;:&quot;Eraser&quot;,&quot;PB_DRAWING_TOOLS_ERASE_ALL&quot;:&quot;Erase all&quot;,&quot;PB_DRAWING_TOOLS_HIGHLIGHTER&quot;:&quot;Highlighter&quot;,&quot;PB_DRAWING_TOOLS_PEN&quot;:&quot;Pen&quot;,&quot;PB_ENTER_PASSWORD&quot;:&quot;Enter the password to view this presentation.&quot;,&quot;PB_INCORRECT_PASSWORD&quot;:&quot;Incorrect password.&quot;,&quot;PB_INTERACTION_SLIDE_WINDOW_TEXT&quot;:&quot;To advance to the next slide, complete this interaction.&quot;,&quot;PB_MESSAGE_BOX_NO&quot;:&quot;No&quot;,&quot;PB_MESSAGE_BOX_OK&quot;:&quot;OK&quot;,&quot;PB_MESSAGE_BOX_YES&quot;:&quot;Yes&quot;,&quot;PB_NAVIGATION_IS_RESTRICTED&quot;:&quot;You can only view slides in order.&quot;,&quot;PB_NAVIGATION_IS_SEQUENTIAL&quot;:&quot;You can only view slides in order.&quot;,&quot;PB_PLAYBACK_RATE_MENU_CAPTION&quot;:&quot;Speed&quot;,&quot;PB_POPUP_ROTATE_SCREEN_PROMPT_LANDSCAPE&quot;:&quot;Rotate your device to landscape mode&quot;,&quot;PB_POPUP_ROTATE_SCREEN_PROMPT_PORTRAIT&quot;:&quot;Rotate your device to the portrait mode&quot;,&quot;PB_PRECEDING_QUIZ_FAILED_WINDOW_TEXT&quot;:&quot;You haven't passed the quiz on slide %SLIDE_INDEX% and can't advance to the next slide.&quot;,&quot;PB_PRECEDING_QUIZ_NOT_COMPLETED_WINDOW_TEXT&quot;:&quot;To advance to this slide, complete the quiz on slide %SLIDE_INDEX%.&quot;,&quot;PB_PRECEDING_QUIZ_NOT_PASSED_WINDOW_TEXT&quot;:&quot;To advance to this slide, you need to pass the quiz on slide %SLIDE_INDEX%.&quot;,&quot;PB_PRECEDING_SCENARIO_FAILED_WINDOW_TEXT&quot;:&quot;You haven't passed the role-play on slide %SLIDE_INDEX% and can't advance to the next slide.&quot;,&quot;PB_PRECEDING_SCENARIO_NOT_COMPLETED_WINDOW_TEXT&quot;:&quot;To advance to this slide, complete the role-play on slide %SLIDE_INDEX%.&quot;,&quot;PB_PRECEDING_SCENARIO_NOT_PASSED_WINDOW_TEXT&quot;:&quot;To advance to this slide, you need to pass the role-play on slide %SLIDE_INDEX%.&quot;,&quot;PB_PRESENTER_COLLAPSE_BIO&quot;:&quot;Show less&quot;,&quot;PB_PRESENTER_EMAIL&quot;:&quot;Email&quot;,&quot;PB_PRESENTER_EXPAND_BIO&quot;:&quot;Show more&quot;,&quot;PB_PRESENTER_NO_INFO&quot;:&quot;No presenter info.&quot;,&quot;PB_PRESENTER_WEBSITE&quot;:&quot;Website&quot;,&quot;PB_QUIZ_SLIDE_WINDOW_TEXT&quot;:&quot;To advance to the next slide, complete this quiz.&quot;,&quot;PB_RATE_MENU_CAPTION&quot;:&quot;Speed&quot;,&quot;PB_RATE_MENU_DEFAULT_RATE&quot;:&quot;Normal&quot;,&quot;PB_RESUME_PRESENTATION_WINDOW_TEXT&quot;:&quot;Do you want to resume where you left off?&quot;,&quot;PB_SCENARIO_SLIDE_WINDOW_TEXT&quot;:&quot;To advance to the next slide, complete this role-play.&quot;,&quot;PB_SEARCH_CANCEL&quot;:&quot;Cancel&quot;,&quot;PB_SEARCH_NO_RESULTS_LABEL&quot;:&quot;No matches found.&quot;,&quot;PB_SEARCH_PANEL_DEFAULT_TEXT&quot;:&quot;Search…&quot;,&quot;PB_SEARCH_RESULTS_LABEL&quot;:&quot;Search results&quot;,&quot;PB_SEARCH_RESULT_IN_NOTES&quot;:&quot;in notes&quot;,&quot;PB_SEARCH_RESULT_IN_TEXT_LABEL&quot;:&quot;in slide&quot;,&quot;PB_SUBTITLES_MENU_CAPTION&quot;:&quot;Subtitles&quot;,&quot;PB_SUBTITLES_OFF&quot;:&quot;Off&quot;,&quot;PB_TAB_NOTES_LABEL&quot;:&quot;Notes&quot;,&quot;PB_TAB_OUTLINE_LABEL&quot;:&quot;Slides&quot;,&quot;PB_TIME_RESTRICTION&quot;:&quot;Sorry, the content author has prohibited viewing the presentation at this time.&quot;,&quot;PB_TITLE_PANEL_ATTACHMENTS&quot;:&quot;Resources&quot;,&quot;PB_TITLE_PANEL_MARKER_TOOLS&quot;:&quot;Drawing&quot;,&quot;PB_TITLE_PANEL_NOTES&quot;:&quot;Notes&quot;,&quot;PB_TITLE_PANEL_OUTLINE&quot;:&quot;Outline&quot;,&quot;PB_TITLE_PANEL_PRESENTER_INFO&quot;:&quot;Presenter Info&quot;,&quot;PB_TREE_CONTROL_LOADING&quot;:&quot;Loading…&quot;,&quot;PB_VIDEO_WINDOW_NO_VIDEO_LABEL&quot;:&quot;No video&quot;},&quot;playbackAndNavigationSettings&quot;:{&quot;autoStart&quot;:true,&quot;saveAnimationStates&quot;:true,&quot;loopPresentation&quot;:false,&quot;autoPlayAnimations&quot;:false,&quot;autoPlayAnimationsTime&quot;:1,&quot;navigationType&quot;:&quot;FREE&quot;,&quot;resumeMode&quot;:&quot;PROMPT&quot;,&quot;enableKeyboardNavigation&quot;:true},&quot;keyboardSettings&quot;:&quot;&quot;,&quot;skinVersion&quot;:4,&quot;skinCompatibleVersion&quot;:0,&quot;publishSettings&quot;:{&quot;backgroundColor&quot;:&quot;#F4E9E5&quot;,&quot;playerDimensions&quot;:{&quot;height&quot;:92,&quot;width&quot;:16},&quot;playerModule&quot;:&quot;UniversalHtml&quot;,&quot;presentationContent&quot;:{&quot;metadata&quot;:{&quot;references&quot;:false,&quot;texts&quot;:[&quot;DT_HYPERLINK_TOOLTIP&quot;]},&quot;resources&quot;:{&quot;attachments&quot;:false,&quot;fonts&quot;:[{&quot;charsets&quot;:{&quot;dynamicFormatted&quot;:[&quot;DCT_INTERACTIVITY_TEXT&quot;,&quot;DCT_INTERACTIVITY_SEMIBOLD_TEXT&quot;],&quot;dynamicPlain&quot;:[&quot;DCT_HYPERLINK_TOOLTIP&quot;],&quot;static&quot;:[&quot;Next&quot;,&quot;1234567890&quot;,&quot;%SLIDE_NUMBER% of %TOTAL_SLIDES%&quot;,&quot;Yes&quot;,&quot;No&quot;,&quot;OK&quot;,&quot;Do you want to resume where you left off?&quot;,&quot;Rotate your device to the portrait mode&quot;,&quot;Rotate your device to landscape mode&quot;,&quot;Complete the slide to go to the next one.&quot;,&quot;You can only view slides in order.&quot;,&quot;To advance to the next slide, complete this quiz.&quot;,&quot;To advance to this slide, you need to pass the quiz on slide %SLIDE_INDEX%.&quot;,&quot;To advance to this slide, complete the quiz on slide %SLIDE_INDEX%.&quot;,&quot;You haven't passed the quiz on slide %SLIDE_INDEX% and can't advance to the next slide.&quot;,&quot;To advance to the next slide, complete this interaction.&quot;,&quot;To advance to the next slide, complete this role-play.&quot;,&quot;To advance to this slide, you need to pass the role-play on slide %SLIDE_INDEX%.&quot;,&quot;To advance to this slide, complete the role-play on slide %SLIDE_INDEX%.&quot;,&quot;You haven't passed the role-play on slide %SLIDE_INDEX% and can't advance to the next slide.&quot;,&quot;Enter the password to view this presentation.&quot;,&quot;Incorrect password.&quot;,&quot;Sorry, the content author has prohibited sharing the presentation on this domain.&quot;,&quot;Sorry, the content author has prohibited viewing the presentation at this time.&quot;,&quot;Go back&quot;]},&quot;embedName&quot;:&quot;PFn&quot;,&quot;fontFamily&quot;:&quot;Arial&quot;,&quot;isBold&quot;:false,&quot;isItalic&quot;:false,&quot;isSemibold&quot;:false,&quot;substituteFontFamily&quot;:&quot;Arial&quot;},{&quot;charsets&quot;:{&quot;dynamicFormatted&quot;:[&quot;DCT_INTERACTIVITY_TEXT&quot;,&quot;DCT_INTERACTIVITY_SEMIBOLD_TEXT&quot;],&quot;dynamicPlain&quot;:[&quot;DCT_HYPERLINK_TOOLTIP&quot;],&quot;static&quot;:[&quot;Next&quot;,&quot;1234567890&quot;,&quot;%SLIDE_NUMBER% of %TOTAL_SLIDES%&quot;,&quot;Yes&quot;,&quot;No&quot;,&quot;OK&quot;,&quot;Do you want to resume where you left off?&quot;,&quot;Rotate your device to the portrait mode&quot;,&quot;Rotate your device to landscape mode&quot;,&quot;Complete the slide to go to the next one.&quot;,&quot;You can only view slides in order.&quot;,&quot;To advance to the next slide, complete this quiz.&quot;,&quot;To advance to this slide, you need to pass the quiz on slide %SLIDE_INDEX%.&quot;,&quot;To advance to this slide, complete the quiz on slide %SLIDE_INDEX%.&quot;,&quot;You haven't passed the quiz on slide %SLIDE_INDEX% and can't advance to the next slide.&quot;,&quot;To advance to the next slide, complete this interaction.&quot;,&quot;To advance to the next slide, complete this role-play.&quot;,&quot;To advance to this slide, you need to pass the role-play on slide %SLIDE_INDEX%.&quot;,&quot;To advance to this slide, complete the role-play on slide %SLIDE_INDEX%.&quot;,&quot;You haven't passed the role-play on slide %SLIDE_INDEX% and can't advance to the next slide.&quot;,&quot;Enter the password to view this presentation.&quot;,&quot;Incorrect password.&quot;,&quot;Sorry, the content author has prohibited sharing the presentation on this domain.&quot;,&quot;Sorry, the content author has prohibited viewing the presentation at this time.&quot;,&quot;Go back&quot;]},&quot;embedName&quot;:&quot;PFnb&quot;,&quot;fontFamily&quot;:&quot;Arial&quot;,&quot;isBold&quot;:true,&quot;isItalic&quot;:false,&quot;isSemibold&quot;:false,&quot;substituteFontFamily&quot;:&quot;Arial&quot;},{&quot;charsets&quot;:{&quot;dynamicFormatted&quot;:[&quot;DCT_INTERACTIVITY_TEXT&quot;,&quot;DCT_INTERACTIVITY_SEMIBOLD_TEXT&quot;],&quot;dynamicPlain&quot;:[&quot;DCT_HYPERLINK_TOOLTIP&quot;],&quot;static&quot;:[&quot;Next&quot;,&quot;1234567890&quot;,&quot;%SLIDE_NUMBER% of %TOTAL_SLIDES%&quot;,&quot;Yes&quot;,&quot;No&quot;,&quot;OK&quot;,&quot;Do you want to resume where you left off?&quot;,&quot;Rotate your device to the portrait mode&quot;,&quot;Rotate your device to landscape mode&quot;,&quot;Complete the slide to go to the next one.&quot;,&quot;You can only view slides in order.&quot;,&quot;To advance to the next slide, complete this quiz.&quot;,&quot;To advance to this slide, you need to pass the quiz on slide %SLIDE_INDEX%.&quot;,&quot;To advance to this slide, complete the quiz on slide %SLIDE_INDEX%.&quot;,&quot;You haven't passed the quiz on slide %SLIDE_INDEX% and can't advance to the next slide.&quot;,&quot;To advance to the next slide, complete this interaction.&quot;,&quot;To advance to the next slide, complete this role-play.&quot;,&quot;To advance to this slide, you need to pass the role-play on slide %SLIDE_INDEX%.&quot;,&quot;To advance to this slide, complete the role-play on slide %SLIDE_INDEX%.&quot;,&quot;You haven't passed the role-play on slide %SLIDE_INDEX% and can't advance to the next slide.&quot;,&quot;Enter the password to view this presentation.&quot;,&quot;Incorrect password.&quot;,&quot;Sorry, the content author has prohibited sharing the presentation on this domain.&quot;,&quot;Sorry, the content author has prohibited viewing the presentation at this time.&quot;,&quot;Go back&quot;]},&quot;embedName&quot;:&quot;PFni&quot;,&quot;fontFamily&quot;:&quot;Arial&quot;,&quot;isBold&quot;:false,&quot;isItalic&quot;:true,&quot;isSemibold&quot;:false,&quot;substituteFontFamily&quot;:&quot;Arial&quot;},{&quot;charsets&quot;:{&quot;dynamicFormatted&quot;:[&quot;DCT_INTERACTIVITY_TEXT&quot;,&quot;DCT_INTERACTIVITY_SEMIBOLD_TEXT&quot;],&quot;dynamicPlain&quot;:[&quot;DCT_HYPERLINK_TOOLTIP&quot;],&quot;static&quot;:[&quot;Next&quot;,&quot;1234567890&quot;,&quot;%SLIDE_NUMBER% of %TOTAL_SLIDES%&quot;,&quot;Yes&quot;,&quot;No&quot;,&quot;OK&quot;,&quot;Do you want to resume where you left off?&quot;,&quot;Rotate your device to the portrait mode&quot;,&quot;Rotate your device to landscape mode&quot;,&quot;Complete the slide to go to the next one.&quot;,&quot;You can only view slides in order.&quot;,&quot;To advance to the next slide, complete this quiz.&quot;,&quot;To advance to this slide, you need to pass the quiz on slide %SLIDE_INDEX%.&quot;,&quot;To advance to this slide, complete the quiz on slide %SLIDE_INDEX%.&quot;,&quot;You haven't passed the quiz on slide %SLIDE_INDEX% and can't advance to the next slide.&quot;,&quot;To advance to the next slide, complete this interaction.&quot;,&quot;To advance to the next slide, complete this role-play.&quot;,&quot;To advance to this slide, you need to pass the role-play on slide %SLIDE_INDEX%.&quot;,&quot;To advance to this slide, complete the role-play on slide %SLIDE_INDEX%.&quot;,&quot;You haven't passed the role-play on slide %SLIDE_INDEX% and can't advance to the next slide.&quot;,&quot;Enter the password to view this presentation.&quot;,&quot;Incorrect password.&quot;,&quot;Sorry, the content author has prohibited sharing the presentation on this domain.&quot;,&quot;Sorry, the content author has prohibited viewing the presentation at this time.&quot;,&quot;Go back&quot;]},&quot;embedName&quot;:&quot;PFnbi&quot;,&quot;fontFamily&quot;:&quot;Arial&quot;,&quot;isBold&quot;:true,&quot;isItalic&quot;:true,&quot;isSemibold&quot;:false,&quot;substituteFontFamily&quot;:&quot;Arial&quot;},{&quot;charsets&quot;:{&quot;dynamicFormatted&quot;:[&quot;DCT_INTERACTIVITY_TEXT&quot;,&quot;DCT_INTERACTIVITY_SEMIBOLD_TEXT&quot;],&quot;dynamicPlain&quot;:[&quot;DCT_HYPERLINK_TOOLTIP&quot;],&quot;static&quot;:[&quot;Next&quot;,&quot;1234567890&quot;,&quot;%SLIDE_NUMBER% of %TOTAL_SLIDES%&quot;,&quot;Yes&quot;,&quot;No&quot;,&quot;OK&quot;,&quot;Do you want to resume where you left off?&quot;,&quot;Rotate your device to the portrait mode&quot;,&quot;Rotate your device to landscape mode&quot;,&quot;Complete the slide to go to the next one.&quot;,&quot;You can only view slides in order.&quot;,&quot;To advance to the next slide, complete this quiz.&quot;,&quot;To advance to this slide, you need to pass the quiz on slide %SLIDE_INDEX%.&quot;,&quot;To advance to this slide, complete the quiz on slide %SLIDE_INDEX%.&quot;,&quot;You haven't passed the quiz on slide %SLIDE_INDEX% and can't advance to the next slide.&quot;,&quot;To advance to the next slide, complete this interaction.&quot;,&quot;To advance to the next slide, complete this role-play.&quot;,&quot;To advance to this slide, you need to pass the role-play on slide %SLIDE_INDEX%.&quot;,&quot;To advance to this slide, complete the role-play on slide %SLIDE_INDEX%.&quot;,&quot;You haven't passed the role-play on slide %SLIDE_INDEX% and can't advance to the next slide.&quot;,&quot;Enter the password to view this presentation.&quot;,&quot;Incorrect password.&quot;,&quot;Sorry, the content author has prohibited sharing the presentation on this domain.&quot;,&quot;Sorry, the content author has prohibited viewing the presentation at this time.&quot;,&quot;Go back&quot;]},&quot;embedName&quot;:&quot;PFnsb&quot;,&quot;fontFamily&quot;:&quot;Arial&quot;,&quot;isBold&quot;:false,&quot;isItalic&quot;:false,&quot;isSemibold&quot;:true,&quot;substituteFontFamily&quot;:&quot;Arial&quot;},{&quot;charsets&quot;:{&quot;dynamicFormatted&quot;:[&quot;DCT_INTERACTIVITY_TEXT&quot;,&quot;DCT_INTERACTIVITY_SEMIBOLD_TEXT&quot;],&quot;dynamicPlain&quot;:[&quot;DCT_HYPERLINK_TOOLTIP&quot;],&quot;static&quot;:[&quot;Next&quot;,&quot;1234567890&quot;,&quot;%SLIDE_NUMBER% of %TOTAL_SLIDES%&quot;,&quot;Yes&quot;,&quot;No&quot;,&quot;OK&quot;,&quot;Do you want to resume where you left off?&quot;,&quot;Rotate your device to the portrait mode&quot;,&quot;Rotate your device to landscape mode&quot;,&quot;Complete the slide to go to the next one.&quot;,&quot;You can only view slides in order.&quot;,&quot;To advance to the next slide, complete this quiz.&quot;,&quot;To advance to this slide, you need to pass the quiz on slide %SLIDE_INDEX%.&quot;,&quot;To advance to this slide, complete the quiz on slide %SLIDE_INDEX%.&quot;,&quot;You haven't passed the quiz on slide %SLIDE_INDEX% and can't advance to the next slide.&quot;,&quot;To advance to the next slide, complete this interaction.&quot;,&quot;To advance to the next slide, complete this role-play.&quot;,&quot;To advance to this slide, you need to pass the role-play on slide %SLIDE_INDEX%.&quot;,&quot;To advance to this slide, complete the role-play on slide %SLIDE_INDEX%.&quot;,&quot;You haven't passed the role-play on slide %SLIDE_INDEX% and can't advance to the next slide.&quot;,&quot;Enter the password to view this presentation.&quot;,&quot;Incorrect password.&quot;,&quot;Sorry, the content author has prohibited sharing the presentation on this domain.&quot;,&quot;Sorry, the content author has prohibited viewing the presentation at this time.&quot;,&quot;Go back&quot;]},&quot;embedName&quot;:&quot;PFnsbi&quot;,&quot;fontFamily&quot;:&quot;Arial&quot;,&quot;isBold&quot;:false,&quot;isItalic&quot;:true,&quot;isSemibold&quot;:true,&quot;substituteFontFamily&quot;:&quot;Arial&quot;}],&quot;interactivity&quot;:{&quot;fullSupport&quot;:true},&quot;slideThumbnails&quot;:{&quot;enlargeToFit&quot;:false,&quot;height&quot;:59,&quot;jpegQuality&quot;:100,&quot;keepAspectRatio&quot;:true,&quot;width&quot;:78}}}},&quot;ceipData&quot;:{&quot;enableMiniSkinCustomization&quot;:true,&quot;playerLayout&quot;:&quot;builtin.presentation&quot;,&quot;playerLayoutFooter&quot;:&quot;slideNumber,goToPrev,goToNext&quot;,&quot;playerLayoutHeader&quot;:&quot;&quot;,&quot;playerLayoutHeaderButtonsPosition&quot;:&quot;&quot;,&quot;playerLayoutOutline&quot;:&quot;enableSearch,showThumbnails,showSlideNumber,enableMultilevel&quot;,&quot;playerLayoutProgress&quot;:&quot;enabledNavigation,showLabels&quot;,&quot;playerLayoutProgressMode&quot;:&quot;presentationTimeline&quot;,&quot;playerLayoutSidebar&quot;:&quot;&quot;,&quot;playerLayoutSidebarPosition&quot;:&quot;&quot;,&quot;playerMessages&quot;:&quot;builtin.en&quot;,&quot;playerNavigationAutoStart&quot;:true,&quot;playerNavigationEnableKeyboardNavigation&quot;:true,&quot;playerNavigationMode&quot;:&quot;bySlides&quot;,&quot;playerNavigationOnRestart&quot;:&quot;prompt&quot;,&quot;playerNavigationSaveAnimationStates&quot;:true,&quot;playerNavigationType&quot;:&quot;free&quot;,&quot;playerTheme&quot;:&quot;custom&quot;,&quot;playerThemeBorderRadius&quot;:20,&quot;playerThemeColorScheme&quot;:&quot;builtin.lightOrange&quot;,&quot;playerThemeFont&quot;:&quot;Arial&quot;}}}"/>
+  <p:tag name="ISPRING_SCORM_ENDPOINT" val="&lt;endpoint&gt;&lt;enable&gt;0&lt;/enable&gt;&lt;lrs&gt;https://&lt;/lrs&gt;&lt;auth&gt;0&lt;/auth&gt;&lt;login&gt;&lt;/login&gt;&lt;password&gt;&lt;/password&gt;&lt;key&gt;&lt;/key&gt;&lt;name&gt;&lt;/name&gt;&lt;email&gt;&lt;/email&gt;&lt;/endpoint&gt;&#10;"/>
+  <p:tag name="ISPRING_OUTPUT_FOLDER" val="[[&quot;ǽ\uFFFD\uFFFD{60C6311E-6C41-4B4B-A2B3-DD5228B277D9}&quot;,&quot;C:\\Users\\Redux\\Desktop\\Прототип сайта\\---------------1\\Presentation\\AIDA64 (Published)&quot;]]"/>
+  <p:tag name="ISPRING_PUBLISH_SETTINGS" val="{&quot;commonSettings&quot;:{&quot;webSettings&quot;:{&quot;useMobileViewer&quot;:&quot;T_FALSE&quot;},&quot;lmsSettings&quot;:{&quot;useMobileViewer&quot;:&quot;T_FALSE&quot;},&quot;cloudSettings&quot;:{&quot;useMobileViewer&quot;:&quot;T_FALSE&quot;},&quot;ispringLmsSettings&quot;:{&quot;useMobileViewer&quot;:&quot;T_FALSE&quot;},&quot;playerId&quot;:&quot;universal&quot;,&quot;studioSettings&quot;:{&quot;useMobileViewer&quot;:&quot;T_FALSE&quot;}},&quot;advancedSettings&quot;:{&quot;enableTextAllocation&quot;:&quot;T_TRUE&quot;,&quot;viewingFromLocalDrive&quot;:&quot;T_TRUE&quot;,&quot;contentScale&quot;:75,&quot;contentScaleMode&quot;:&quot;SCALE&quot;},&quot;accessibilitySettings&quot;:{&quot;enabled&quot;:&quot;T_FALSE&quot;,&quot;language&quot;:&quot;EN&quot;},&quot;compressionSettings&quot;:{&quot;imageSettings&quot;:{&quot;jpegQuality&quot;:70,&quot;optimizeImageForResolution&quot;:&quot;T_FALSE&quot;},&quot;audioQuality&quot;:70,&quot;videoQuality&quot;:65},&quot;protectionSettings&quot;:{&quot;watermarkEnabled&quot;:&quot;T_FALSE&quot;,&quot;watermarkPosition&quot;:&quot;MIDDLE_CENTER&quot;,&quot;openWatermarkUrl&quot;:&quot;T_FALSE&quot;,&quot;openWatermarkWebPageInNewWindow&quot;:&quot;T_FALSE&quot;,&quot;displayAfterEnabled&quot;:&quot;T_FALSE&quot;,&quot;displayUntilEnabled&quot;:&quot;T_FALSE&quot;,&quot;domainRestrictionEnabled&quot;:&quot;T_FALSE&quot;,&quot;enablePassword&quot;:&quot;T_FALSE&quot;},&quot;videoSettings&quot;:{&quot;videoCompressionSettings&quot;:{&quot;audioQuality&quot;:70,&quot;videoQuality&quot;:75},&quot;secondsOnEachSlide&quot;:5,&quot;hostingSettings&quot;:{}},&quot;ispringOnlineSettings&quot;:{&quot;onlineDestinationFolderId&quot;:&quot;1&quot;},&quot;cloudSettings&quot;:{&quot;onlineDestinationFolderId&quot;:&quot;1&quot;},&quot;wordSettings&quot;:{&quot;printCopies&quot;:1},&quot;studioSettings&quot;:{&quot;onlineDestinationFolderId&quot;:&quot;1&quot;,&quot;uploadSources&quot;:true}}"/>
+  <p:tag name="ISPRING_SCORM_RATE_QUIZZES" val="0"/>
 </p:tagLst>
 </file>
 
 <file path=ppt/tags/tag2.xml><?xml version="1.0" encoding="utf-8"?>
 <p:tagLst xmlns:a="http://schemas.openxmlformats.org/drawingml/2006/main" xmlns:r="http://schemas.openxmlformats.org/officeDocument/2006/relationships" xmlns:p="http://schemas.openxmlformats.org/presentationml/2006/main">
   <p:tag name="GENSWF_SLIDE_UID" val="{F07CF62F-8260-4AF8-845D-4FA67BD6441D}:256"/>
+</p:tagLst>
+</file>
+
+<file path=ppt/tags/tag3.xml><?xml version="1.0" encoding="utf-8"?>
+<p:tagLst xmlns:a="http://schemas.openxmlformats.org/drawingml/2006/main" xmlns:r="http://schemas.openxmlformats.org/officeDocument/2006/relationships" xmlns:p="http://schemas.openxmlformats.org/presentationml/2006/main">
+  <p:tag name="GENSWF_SLIDE_UID" val="{8CF50022-16FD-4324-9753-68992AEB94F7}:257"/>
 </p:tagLst>
 </file>
 
